--- a/DOCS/Presentation/Final.pptx
+++ b/DOCS/Presentation/Final.pptx
@@ -9883,7 +9883,145 @@
                 <a:ea typeface="DejaVu Sans" pitchFamily="34" charset="0"/>
                 <a:cs typeface="DejaVu Sans" pitchFamily="34" charset="0"/>
               </a:rPr>
-              <a:t>	In order to display a image, the Show Image block is used. </a:t>
+              <a:t>	</a:t>
+            </a:r>
+            <a:r>
+              <a:rPr lang="en-US" dirty="0" smtClean="0">
+                <a:latin typeface="DejaVu Sans" pitchFamily="34" charset="0"/>
+                <a:ea typeface="DejaVu Sans" pitchFamily="34" charset="0"/>
+                <a:cs typeface="DejaVu Sans" pitchFamily="34" charset="0"/>
+              </a:rPr>
+              <a:t>We </a:t>
+            </a:r>
+            <a:r>
+              <a:rPr lang="en-US" dirty="0" smtClean="0">
+                <a:latin typeface="DejaVu Sans" pitchFamily="34" charset="0"/>
+                <a:ea typeface="DejaVu Sans" pitchFamily="34" charset="0"/>
+                <a:cs typeface="DejaVu Sans" pitchFamily="34" charset="0"/>
+              </a:rPr>
+              <a:t>have learnt how </a:t>
+            </a:r>
+            <a:r>
+              <a:rPr lang="en-US" dirty="0" smtClean="0">
+                <a:latin typeface="DejaVu Sans" pitchFamily="34" charset="0"/>
+                <a:ea typeface="DejaVu Sans" pitchFamily="34" charset="0"/>
+                <a:cs typeface="DejaVu Sans" pitchFamily="34" charset="0"/>
+              </a:rPr>
+              <a:t>to work with Pepper and </a:t>
+            </a:r>
+            <a:r>
+              <a:rPr lang="en-US" dirty="0" err="1" smtClean="0">
+                <a:latin typeface="DejaVu Sans" pitchFamily="34" charset="0"/>
+                <a:ea typeface="DejaVu Sans" pitchFamily="34" charset="0"/>
+                <a:cs typeface="DejaVu Sans" pitchFamily="34" charset="0"/>
+              </a:rPr>
+              <a:t>Choregraphe</a:t>
+            </a:r>
+            <a:r>
+              <a:rPr lang="en-US" dirty="0" smtClean="0">
+                <a:latin typeface="DejaVu Sans" pitchFamily="34" charset="0"/>
+                <a:ea typeface="DejaVu Sans" pitchFamily="34" charset="0"/>
+                <a:cs typeface="DejaVu Sans" pitchFamily="34" charset="0"/>
+              </a:rPr>
+              <a:t>.</a:t>
+            </a:r>
+          </a:p>
+          <a:p>
+            <a:pPr algn="just">
+              <a:buNone/>
+            </a:pPr>
+            <a:r>
+              <a:rPr lang="en-US" dirty="0" smtClean="0">
+                <a:latin typeface="DejaVu Sans" pitchFamily="34" charset="0"/>
+                <a:ea typeface="DejaVu Sans" pitchFamily="34" charset="0"/>
+                <a:cs typeface="DejaVu Sans" pitchFamily="34" charset="0"/>
+              </a:rPr>
+              <a:t>	</a:t>
+            </a:r>
+            <a:r>
+              <a:rPr lang="en-US" dirty="0" smtClean="0">
+                <a:latin typeface="DejaVu Sans" pitchFamily="34" charset="0"/>
+                <a:ea typeface="DejaVu Sans" pitchFamily="34" charset="0"/>
+                <a:cs typeface="DejaVu Sans" pitchFamily="34" charset="0"/>
+              </a:rPr>
+              <a:t>We have implemented </a:t>
+            </a:r>
+            <a:r>
+              <a:rPr lang="en-US" dirty="0" err="1" smtClean="0">
+                <a:latin typeface="DejaVu Sans" pitchFamily="34" charset="0"/>
+                <a:ea typeface="DejaVu Sans" pitchFamily="34" charset="0"/>
+                <a:cs typeface="DejaVu Sans" pitchFamily="34" charset="0"/>
+              </a:rPr>
+              <a:t>behaviours</a:t>
+            </a:r>
+            <a:r>
+              <a:rPr lang="en-US" dirty="0" smtClean="0">
+                <a:latin typeface="DejaVu Sans" pitchFamily="34" charset="0"/>
+                <a:ea typeface="DejaVu Sans" pitchFamily="34" charset="0"/>
+                <a:cs typeface="DejaVu Sans" pitchFamily="34" charset="0"/>
+              </a:rPr>
+              <a:t> based on human-robot </a:t>
+            </a:r>
+            <a:r>
+              <a:rPr lang="en-US" dirty="0" smtClean="0">
+                <a:latin typeface="DejaVu Sans" pitchFamily="34" charset="0"/>
+                <a:ea typeface="DejaVu Sans" pitchFamily="34" charset="0"/>
+                <a:cs typeface="DejaVu Sans" pitchFamily="34" charset="0"/>
+              </a:rPr>
+              <a:t>interaction.</a:t>
+            </a:r>
+          </a:p>
+          <a:p>
+            <a:pPr algn="just">
+              <a:buNone/>
+            </a:pPr>
+            <a:r>
+              <a:rPr lang="en-US" dirty="0" smtClean="0">
+                <a:latin typeface="DejaVu Sans" pitchFamily="34" charset="0"/>
+                <a:ea typeface="DejaVu Sans" pitchFamily="34" charset="0"/>
+                <a:cs typeface="DejaVu Sans" pitchFamily="34" charset="0"/>
+              </a:rPr>
+              <a:t>	It </a:t>
+            </a:r>
+            <a:r>
+              <a:rPr lang="en-US" dirty="0" smtClean="0">
+                <a:latin typeface="DejaVu Sans" pitchFamily="34" charset="0"/>
+                <a:ea typeface="DejaVu Sans" pitchFamily="34" charset="0"/>
+                <a:cs typeface="DejaVu Sans" pitchFamily="34" charset="0"/>
+              </a:rPr>
+              <a:t>was an interesting project where we </a:t>
+            </a:r>
+            <a:r>
+              <a:rPr lang="en-US" dirty="0" smtClean="0">
+                <a:latin typeface="DejaVu Sans" pitchFamily="34" charset="0"/>
+                <a:ea typeface="DejaVu Sans" pitchFamily="34" charset="0"/>
+                <a:cs typeface="DejaVu Sans" pitchFamily="34" charset="0"/>
+              </a:rPr>
+              <a:t>had </a:t>
+            </a:r>
+            <a:r>
+              <a:rPr lang="en-US" dirty="0" smtClean="0">
+                <a:latin typeface="DejaVu Sans" pitchFamily="34" charset="0"/>
+                <a:ea typeface="DejaVu Sans" pitchFamily="34" charset="0"/>
+                <a:cs typeface="DejaVu Sans" pitchFamily="34" charset="0"/>
+              </a:rPr>
+              <a:t>the opportunity to work with one of the most </a:t>
+            </a:r>
+            <a:r>
+              <a:rPr lang="en-US" smtClean="0">
+                <a:latin typeface="DejaVu Sans" pitchFamily="34" charset="0"/>
+                <a:ea typeface="DejaVu Sans" pitchFamily="34" charset="0"/>
+                <a:cs typeface="DejaVu Sans" pitchFamily="34" charset="0"/>
+              </a:rPr>
+              <a:t>modern </a:t>
+            </a:r>
+            <a:r>
+              <a:rPr lang="en-US" smtClean="0">
+                <a:latin typeface="DejaVu Sans" pitchFamily="34" charset="0"/>
+                <a:ea typeface="DejaVu Sans" pitchFamily="34" charset="0"/>
+                <a:cs typeface="DejaVu Sans" pitchFamily="34" charset="0"/>
+              </a:rPr>
+              <a:t>commercial robots.</a:t>
             </a:r>
             <a:endParaRPr lang="es-ES_tradnl" dirty="0" smtClean="0">
               <a:latin typeface="DejaVu Sans" pitchFamily="34" charset="0"/>

--- a/DOCS/Presentation/Final.pptx
+++ b/DOCS/Presentation/Final.pptx
@@ -5,7 +5,7 @@
     <p:sldMasterId id="2147483696" r:id="rId1"/>
   </p:sldMasterIdLst>
   <p:notesMasterIdLst>
-    <p:notesMasterId r:id="rId24"/>
+    <p:notesMasterId r:id="rId25"/>
   </p:notesMasterIdLst>
   <p:sldIdLst>
     <p:sldId id="256" r:id="rId2"/>
@@ -22,14 +22,15 @@
     <p:sldId id="280" r:id="rId13"/>
     <p:sldId id="281" r:id="rId14"/>
     <p:sldId id="283" r:id="rId15"/>
-    <p:sldId id="274" r:id="rId16"/>
-    <p:sldId id="275" r:id="rId17"/>
-    <p:sldId id="276" r:id="rId18"/>
-    <p:sldId id="277" r:id="rId19"/>
-    <p:sldId id="285" r:id="rId20"/>
-    <p:sldId id="286" r:id="rId21"/>
-    <p:sldId id="287" r:id="rId22"/>
-    <p:sldId id="288" r:id="rId23"/>
+    <p:sldId id="277" r:id="rId16"/>
+    <p:sldId id="289" r:id="rId17"/>
+    <p:sldId id="275" r:id="rId18"/>
+    <p:sldId id="276" r:id="rId19"/>
+    <p:sldId id="290" r:id="rId20"/>
+    <p:sldId id="285" r:id="rId21"/>
+    <p:sldId id="286" r:id="rId22"/>
+    <p:sldId id="287" r:id="rId23"/>
+    <p:sldId id="288" r:id="rId24"/>
   </p:sldIdLst>
   <p:sldSz cx="12192000" cy="6858000"/>
   <p:notesSz cx="6858000" cy="9144000"/>
@@ -230,7 +231,7 @@
             <a:fld id="{52E463CF-76FD-4F6D-BCFD-81851AAE73C7}" type="datetimeFigureOut">
               <a:rPr lang="es-ES" smtClean="0"/>
               <a:pPr/>
-              <a:t>29/05/2018</a:t>
+              <a:t>30/05/2018</a:t>
             </a:fld>
             <a:endParaRPr lang="es-ES"/>
           </a:p>
@@ -532,7 +533,7 @@
             <a:fld id="{D984E4F2-BE7B-4FA5-912D-A4403CE14633}" type="datetime1">
               <a:rPr lang="es-ES_tradnl" smtClean="0"/>
               <a:pPr/>
-              <a:t>29/05/2018</a:t>
+              <a:t>30/05/2018</a:t>
             </a:fld>
             <a:endParaRPr lang="es-ES_tradnl"/>
           </a:p>
@@ -1251,7 +1252,7 @@
             <a:fld id="{869EF3A5-9E25-4030-9D9C-7A250A589D9B}" type="datetime1">
               <a:rPr lang="es-ES_tradnl" smtClean="0"/>
               <a:pPr/>
-              <a:t>29/05/2018</a:t>
+              <a:t>30/05/2018</a:t>
             </a:fld>
             <a:endParaRPr lang="es-ES_tradnl"/>
           </a:p>
@@ -1438,7 +1439,7 @@
             <a:fld id="{8DA9DA51-2DFD-482F-AD63-FC40838D75CE}" type="datetime1">
               <a:rPr lang="es-ES_tradnl" smtClean="0"/>
               <a:pPr/>
-              <a:t>29/05/2018</a:t>
+              <a:t>30/05/2018</a:t>
             </a:fld>
             <a:endParaRPr lang="es-ES_tradnl"/>
           </a:p>
@@ -1615,7 +1616,7 @@
             <a:fld id="{5ECF5457-5961-4D3F-8E58-A223513B7026}" type="datetime1">
               <a:rPr lang="es-ES_tradnl" smtClean="0"/>
               <a:pPr/>
-              <a:t>29/05/2018</a:t>
+              <a:t>30/05/2018</a:t>
             </a:fld>
             <a:endParaRPr lang="es-ES_tradnl"/>
           </a:p>
@@ -3100,7 +3101,7 @@
             <a:fld id="{8DEB452F-C4C8-499B-BDDB-53B316BA08B9}" type="datetime1">
               <a:rPr lang="es-ES_tradnl" smtClean="0"/>
               <a:pPr/>
-              <a:t>29/05/2018</a:t>
+              <a:t>30/05/2018</a:t>
             </a:fld>
             <a:endParaRPr lang="es-ES_tradnl"/>
           </a:p>
@@ -3702,7 +3703,7 @@
             <a:fld id="{F70CC532-B93D-4D0C-8339-D451AB5BF645}" type="datetime1">
               <a:rPr lang="es-ES_tradnl" smtClean="0"/>
               <a:pPr/>
-              <a:t>29/05/2018</a:t>
+              <a:t>30/05/2018</a:t>
             </a:fld>
             <a:endParaRPr lang="es-ES_tradnl"/>
           </a:p>
@@ -4141,7 +4142,7 @@
             <a:fld id="{568E54E3-D936-4EBC-8168-7A9D59E0D12B}" type="datetime1">
               <a:rPr lang="es-ES_tradnl" smtClean="0"/>
               <a:pPr/>
-              <a:t>29/05/2018</a:t>
+              <a:t>30/05/2018</a:t>
             </a:fld>
             <a:endParaRPr lang="es-ES_tradnl"/>
           </a:p>
@@ -4704,7 +4705,7 @@
             <a:fld id="{95E5960A-4E15-4B11-86E9-47F6CAB8A272}" type="datetime1">
               <a:rPr lang="es-ES_tradnl" smtClean="0"/>
               <a:pPr/>
-              <a:t>29/05/2018</a:t>
+              <a:t>30/05/2018</a:t>
             </a:fld>
             <a:endParaRPr lang="es-ES_tradnl"/>
           </a:p>
@@ -4802,7 +4803,7 @@
             <a:fld id="{FF6D61B4-6A38-48F1-86E5-57DEB2FE429D}" type="datetime1">
               <a:rPr lang="es-ES_tradnl" smtClean="0"/>
               <a:pPr/>
-              <a:t>29/05/2018</a:t>
+              <a:t>30/05/2018</a:t>
             </a:fld>
             <a:endParaRPr lang="es-ES_tradnl"/>
           </a:p>
@@ -5058,7 +5059,7 @@
             <a:fld id="{A92428C3-9501-421B-BBA6-457B87CC3761}" type="datetime1">
               <a:rPr lang="es-ES_tradnl" smtClean="0"/>
               <a:pPr/>
-              <a:t>29/05/2018</a:t>
+              <a:t>30/05/2018</a:t>
             </a:fld>
             <a:endParaRPr lang="es-ES_tradnl"/>
           </a:p>
@@ -5781,7 +5782,7 @@
             <a:fld id="{E627826C-7928-40F0-BCE6-16826349D4C4}" type="datetime1">
               <a:rPr lang="es-ES_tradnl" smtClean="0"/>
               <a:pPr/>
-              <a:t>29/05/2018</a:t>
+              <a:t>30/05/2018</a:t>
             </a:fld>
             <a:endParaRPr lang="es-ES_tradnl"/>
           </a:p>
@@ -6456,7 +6457,7 @@
             <a:fld id="{397FDDCC-C2EA-46E2-B1CF-EE4882D827B7}" type="datetime1">
               <a:rPr lang="es-ES_tradnl" smtClean="0"/>
               <a:pPr/>
-              <a:t>29/05/2018</a:t>
+              <a:t>30/05/2018</a:t>
             </a:fld>
             <a:endParaRPr lang="es-ES_tradnl"/>
           </a:p>
@@ -6884,15 +6885,7 @@
                 <a:ea typeface="DejaVu Sans" pitchFamily="34" charset="0"/>
                 <a:cs typeface="DejaVu Sans" pitchFamily="34" charset="0"/>
               </a:rPr>
-              <a:t>HUMAN-ROBOT INTERACTION (HRI) WITH ROBOT </a:t>
-            </a:r>
-            <a:r>
-              <a:rPr lang="en-US" dirty="0" smtClean="0">
-                <a:latin typeface="DejaVu Sans" pitchFamily="34" charset="0"/>
-                <a:ea typeface="DejaVu Sans" pitchFamily="34" charset="0"/>
-                <a:cs typeface="DejaVu Sans" pitchFamily="34" charset="0"/>
-              </a:rPr>
-              <a:t>PEPPER</a:t>
+              <a:t>HUMAN-ROBOT INTERACTION (HRI) WITH ROBOT PEPPER</a:t>
             </a:r>
             <a:endParaRPr lang="es-ES" dirty="0">
               <a:latin typeface="DejaVu Sans" pitchFamily="34" charset="0"/>
@@ -7166,11 +7159,7 @@
           <a:p>
             <a:r>
               <a:rPr lang="es-ES_tradnl" dirty="0" smtClean="0"/>
-              <a:t>8</a:t>
-            </a:r>
-            <a:r>
-              <a:rPr lang="es-ES_tradnl" dirty="0" smtClean="0"/>
-              <a:t>/20</a:t>
+              <a:t>8/20</a:t>
             </a:r>
             <a:endParaRPr lang="es-ES_tradnl" dirty="0"/>
           </a:p>
@@ -7251,15 +7240,7 @@
                 <a:ea typeface="DejaVu Sans" pitchFamily="34" charset="0"/>
                 <a:cs typeface="DejaVu Sans" pitchFamily="34" charset="0"/>
               </a:rPr>
-              <a:t>4.1.</a:t>
-            </a:r>
-            <a:r>
-              <a:rPr lang="es-ES_tradnl" dirty="0" smtClean="0">
-                <a:latin typeface="DejaVu Sans" pitchFamily="34" charset="0"/>
-                <a:ea typeface="DejaVu Sans" pitchFamily="34" charset="0"/>
-                <a:cs typeface="DejaVu Sans" pitchFamily="34" charset="0"/>
-              </a:rPr>
-              <a:t>	</a:t>
+              <a:t>4.1.	</a:t>
             </a:r>
             <a:r>
               <a:rPr lang="es-ES_tradnl" dirty="0" err="1" smtClean="0">
@@ -7339,11 +7320,7 @@
           <a:p>
             <a:r>
               <a:rPr lang="es-ES_tradnl" dirty="0" smtClean="0"/>
-              <a:t>9</a:t>
-            </a:r>
-            <a:r>
-              <a:rPr lang="es-ES_tradnl" dirty="0" smtClean="0"/>
-              <a:t>/20</a:t>
+              <a:t>9/20</a:t>
             </a:r>
             <a:endParaRPr lang="es-ES_tradnl" dirty="0"/>
           </a:p>
@@ -7424,15 +7401,7 @@
                 <a:ea typeface="DejaVu Sans" pitchFamily="34" charset="0"/>
                 <a:cs typeface="DejaVu Sans" pitchFamily="34" charset="0"/>
               </a:rPr>
-              <a:t>4.2.</a:t>
-            </a:r>
-            <a:r>
-              <a:rPr lang="es-ES_tradnl" dirty="0" smtClean="0">
-                <a:latin typeface="DejaVu Sans" pitchFamily="34" charset="0"/>
-                <a:ea typeface="DejaVu Sans" pitchFamily="34" charset="0"/>
-                <a:cs typeface="DejaVu Sans" pitchFamily="34" charset="0"/>
-              </a:rPr>
-              <a:t>	</a:t>
+              <a:t>4.2.	</a:t>
             </a:r>
             <a:r>
               <a:rPr lang="es-ES_tradnl" dirty="0" err="1" smtClean="0">
@@ -7512,11 +7481,7 @@
           <a:p>
             <a:r>
               <a:rPr lang="es-ES_tradnl" dirty="0" smtClean="0"/>
-              <a:t>10</a:t>
-            </a:r>
-            <a:r>
-              <a:rPr lang="es-ES_tradnl" dirty="0" smtClean="0"/>
-              <a:t>/20</a:t>
+              <a:t>10/20</a:t>
             </a:r>
             <a:endParaRPr lang="es-ES_tradnl" dirty="0"/>
           </a:p>
@@ -7597,15 +7562,7 @@
                 <a:ea typeface="DejaVu Sans" pitchFamily="34" charset="0"/>
                 <a:cs typeface="DejaVu Sans" pitchFamily="34" charset="0"/>
               </a:rPr>
-              <a:t>4.2.</a:t>
-            </a:r>
-            <a:r>
-              <a:rPr lang="es-ES_tradnl" dirty="0" smtClean="0">
-                <a:latin typeface="DejaVu Sans" pitchFamily="34" charset="0"/>
-                <a:ea typeface="DejaVu Sans" pitchFamily="34" charset="0"/>
-                <a:cs typeface="DejaVu Sans" pitchFamily="34" charset="0"/>
-              </a:rPr>
-              <a:t>	</a:t>
+              <a:t>4.2.	</a:t>
             </a:r>
             <a:r>
               <a:rPr lang="es-ES_tradnl" dirty="0" err="1" smtClean="0">
@@ -7790,15 +7747,7 @@
                 <a:ea typeface="DejaVu Sans" pitchFamily="34" charset="0"/>
                 <a:cs typeface="DejaVu Sans" pitchFamily="34" charset="0"/>
               </a:rPr>
-              <a:t>4.2.</a:t>
-            </a:r>
-            <a:r>
-              <a:rPr lang="es-ES_tradnl" dirty="0" smtClean="0">
-                <a:latin typeface="DejaVu Sans" pitchFamily="34" charset="0"/>
-                <a:ea typeface="DejaVu Sans" pitchFamily="34" charset="0"/>
-                <a:cs typeface="DejaVu Sans" pitchFamily="34" charset="0"/>
-              </a:rPr>
-              <a:t>	</a:t>
+              <a:t>4.2.	</a:t>
             </a:r>
             <a:r>
               <a:rPr lang="es-ES_tradnl" dirty="0" err="1" smtClean="0">
@@ -7975,23 +7924,7 @@
                 <a:ea typeface="DejaVu Sans" pitchFamily="34" charset="0"/>
                 <a:cs typeface="DejaVu Sans" pitchFamily="34" charset="0"/>
               </a:rPr>
-              <a:t>5</a:t>
-            </a:r>
-            <a:r>
-              <a:rPr lang="es-ES_tradnl" dirty="0" smtClean="0">
-                <a:latin typeface="DejaVu Sans" pitchFamily="34" charset="0"/>
-                <a:ea typeface="DejaVu Sans" pitchFamily="34" charset="0"/>
-                <a:cs typeface="DejaVu Sans" pitchFamily="34" charset="0"/>
-              </a:rPr>
-              <a:t>.</a:t>
-            </a:r>
-            <a:r>
-              <a:rPr lang="es-ES_tradnl" dirty="0" smtClean="0">
-                <a:latin typeface="DejaVu Sans" pitchFamily="34" charset="0"/>
-                <a:ea typeface="DejaVu Sans" pitchFamily="34" charset="0"/>
-                <a:cs typeface="DejaVu Sans" pitchFamily="34" charset="0"/>
-              </a:rPr>
-              <a:t>	</a:t>
+              <a:t>5.	</a:t>
             </a:r>
             <a:r>
               <a:rPr lang="es-ES_tradnl" dirty="0" err="1" smtClean="0">
@@ -8055,6 +7988,46 @@
                 <a:cs typeface="DejaVu Sans" pitchFamily="34" charset="0"/>
               </a:rPr>
               <a:t>	</a:t>
+            </a:r>
+            <a:r>
+              <a:rPr lang="en-US" dirty="0" smtClean="0">
+                <a:latin typeface="DejaVu Sans" pitchFamily="34" charset="0"/>
+                <a:ea typeface="DejaVu Sans" pitchFamily="34" charset="0"/>
+                <a:cs typeface="DejaVu Sans" pitchFamily="34" charset="0"/>
+              </a:rPr>
+              <a:t>Pepper has a module to learn faces, recognize them and forget them. They are always associated with a name.</a:t>
+            </a:r>
+          </a:p>
+          <a:p>
+            <a:pPr algn="just">
+              <a:buNone/>
+            </a:pPr>
+            <a:endParaRPr lang="en-US" dirty="0" smtClean="0">
+              <a:latin typeface="DejaVu Sans" pitchFamily="34" charset="0"/>
+              <a:ea typeface="DejaVu Sans" pitchFamily="34" charset="0"/>
+              <a:cs typeface="DejaVu Sans" pitchFamily="34" charset="0"/>
+            </a:endParaRPr>
+          </a:p>
+          <a:p>
+            <a:pPr algn="just">
+              <a:buNone/>
+            </a:pPr>
+            <a:r>
+              <a:rPr lang="en-US" dirty="0" smtClean="0">
+                <a:latin typeface="DejaVu Sans" pitchFamily="34" charset="0"/>
+                <a:ea typeface="DejaVu Sans" pitchFamily="34" charset="0"/>
+                <a:cs typeface="DejaVu Sans" pitchFamily="34" charset="0"/>
+              </a:rPr>
+              <a:t>	Video:	</a:t>
+            </a:r>
+            <a:r>
+              <a:rPr lang="en-US" dirty="0" smtClean="0">
+                <a:latin typeface="DejaVu Sans" pitchFamily="34" charset="0"/>
+                <a:ea typeface="DejaVu Sans" pitchFamily="34" charset="0"/>
+                <a:cs typeface="DejaVu Sans" pitchFamily="34" charset="0"/>
+                <a:hlinkClick r:id="rId2"/>
+              </a:rPr>
+              <a:t>https://www.youtube.com/watch?v=yw0ogmP6dO8</a:t>
             </a:r>
             <a:endParaRPr lang="es-ES_tradnl" dirty="0" smtClean="0">
               <a:latin typeface="DejaVu Sans" pitchFamily="34" charset="0"/>
@@ -8087,40 +8060,12 @@
           <a:p>
             <a:r>
               <a:rPr lang="es-ES_tradnl" dirty="0" smtClean="0"/>
-              <a:t>13</a:t>
-            </a:r>
-            <a:r>
-              <a:rPr lang="es-ES_tradnl" dirty="0" smtClean="0"/>
-              <a:t>/20</a:t>
+              <a:t>16/20</a:t>
             </a:r>
             <a:endParaRPr lang="es-ES_tradnl" dirty="0"/>
           </a:p>
         </p:txBody>
       </p:sp>
-      <p:pic>
-        <p:nvPicPr>
-          <p:cNvPr id="5" name="4 Imagen" descr="speechcommands1.png"/>
-          <p:cNvPicPr>
-            <a:picLocks noChangeAspect="1"/>
-          </p:cNvPicPr>
-          <p:nvPr/>
-        </p:nvPicPr>
-        <p:blipFill>
-          <a:blip r:embed="rId2"/>
-          <a:stretch>
-            <a:fillRect/>
-          </a:stretch>
-        </p:blipFill>
-        <p:spPr>
-          <a:xfrm>
-            <a:off x="1336764" y="1801160"/>
-            <a:ext cx="10253949" cy="4250604"/>
-          </a:xfrm>
-          <a:prstGeom prst="rect">
-            <a:avLst/>
-          </a:prstGeom>
-        </p:spPr>
-      </p:pic>
     </p:spTree>
     <p:extLst>
       <p:ext uri="{BB962C8B-B14F-4D97-AF65-F5344CB8AC3E}">
@@ -8172,7 +8117,15 @@
                 <a:ea typeface="DejaVu Sans" pitchFamily="34" charset="0"/>
                 <a:cs typeface="DejaVu Sans" pitchFamily="34" charset="0"/>
               </a:rPr>
-              <a:t>5</a:t>
+              <a:t>5.	</a:t>
+            </a:r>
+            <a:r>
+              <a:rPr lang="es-ES_tradnl" dirty="0" err="1" smtClean="0">
+                <a:latin typeface="DejaVu Sans" pitchFamily="34" charset="0"/>
+                <a:ea typeface="DejaVu Sans" pitchFamily="34" charset="0"/>
+                <a:cs typeface="DejaVu Sans" pitchFamily="34" charset="0"/>
+              </a:rPr>
+              <a:t>Face</a:t>
             </a:r>
             <a:r>
               <a:rPr lang="es-ES_tradnl" dirty="0" smtClean="0">
@@ -8180,15 +8133,7 @@
                 <a:ea typeface="DejaVu Sans" pitchFamily="34" charset="0"/>
                 <a:cs typeface="DejaVu Sans" pitchFamily="34" charset="0"/>
               </a:rPr>
-              <a:t>.</a:t>
-            </a:r>
-            <a:r>
-              <a:rPr lang="es-ES_tradnl" dirty="0" smtClean="0">
-                <a:latin typeface="DejaVu Sans" pitchFamily="34" charset="0"/>
-                <a:ea typeface="DejaVu Sans" pitchFamily="34" charset="0"/>
-                <a:cs typeface="DejaVu Sans" pitchFamily="34" charset="0"/>
-              </a:rPr>
-              <a:t>	</a:t>
+              <a:t> </a:t>
             </a:r>
             <a:r>
               <a:rPr lang="es-ES_tradnl" dirty="0" err="1" smtClean="0">
@@ -8196,39 +8141,7 @@
                 <a:ea typeface="DejaVu Sans" pitchFamily="34" charset="0"/>
                 <a:cs typeface="DejaVu Sans" pitchFamily="34" charset="0"/>
               </a:rPr>
-              <a:t>Face</a:t>
-            </a:r>
-            <a:r>
-              <a:rPr lang="es-ES_tradnl" dirty="0" smtClean="0">
-                <a:latin typeface="DejaVu Sans" pitchFamily="34" charset="0"/>
-                <a:ea typeface="DejaVu Sans" pitchFamily="34" charset="0"/>
-                <a:cs typeface="DejaVu Sans" pitchFamily="34" charset="0"/>
-              </a:rPr>
-              <a:t> </a:t>
-            </a:r>
-            <a:r>
-              <a:rPr lang="es-ES_tradnl" dirty="0" err="1" smtClean="0">
-                <a:latin typeface="DejaVu Sans" pitchFamily="34" charset="0"/>
-                <a:ea typeface="DejaVu Sans" pitchFamily="34" charset="0"/>
-                <a:cs typeface="DejaVu Sans" pitchFamily="34" charset="0"/>
-              </a:rPr>
               <a:t>recognition</a:t>
-            </a:r>
-            <a:r>
-              <a:rPr lang="es-ES_tradnl" dirty="0" smtClean="0">
-                <a:latin typeface="DejaVu Sans" pitchFamily="34" charset="0"/>
-                <a:ea typeface="DejaVu Sans" pitchFamily="34" charset="0"/>
-                <a:cs typeface="DejaVu Sans" pitchFamily="34" charset="0"/>
-              </a:rPr>
-              <a:t>: </a:t>
-            </a:r>
-            <a:r>
-              <a:rPr lang="es-ES_tradnl" dirty="0" err="1" smtClean="0">
-                <a:latin typeface="DejaVu Sans" pitchFamily="34" charset="0"/>
-                <a:ea typeface="DejaVu Sans" pitchFamily="34" charset="0"/>
-                <a:cs typeface="DejaVu Sans" pitchFamily="34" charset="0"/>
-              </a:rPr>
-              <a:t>learn</a:t>
             </a:r>
             <a:endParaRPr lang="es-ES_tradnl" dirty="0">
               <a:latin typeface="DejaVu Sans" pitchFamily="34" charset="0"/>
@@ -8300,7 +8213,7 @@
           <a:p>
             <a:r>
               <a:rPr lang="es-ES_tradnl" dirty="0" smtClean="0"/>
-              <a:t>14/20</a:t>
+              <a:t>13/20</a:t>
             </a:r>
             <a:endParaRPr lang="es-ES_tradnl" dirty="0"/>
           </a:p>
@@ -8322,8 +8235,8 @@
         </p:blipFill>
         <p:spPr>
           <a:xfrm>
-            <a:off x="1336764" y="1835810"/>
-            <a:ext cx="10253949" cy="4181304"/>
+            <a:off x="1336764" y="1801160"/>
+            <a:ext cx="10253949" cy="4250604"/>
           </a:xfrm>
           <a:prstGeom prst="rect">
             <a:avLst/>
@@ -8381,7 +8294,15 @@
                 <a:ea typeface="DejaVu Sans" pitchFamily="34" charset="0"/>
                 <a:cs typeface="DejaVu Sans" pitchFamily="34" charset="0"/>
               </a:rPr>
-              <a:t>5</a:t>
+              <a:t>5.	</a:t>
+            </a:r>
+            <a:r>
+              <a:rPr lang="es-ES_tradnl" dirty="0" err="1" smtClean="0">
+                <a:latin typeface="DejaVu Sans" pitchFamily="34" charset="0"/>
+                <a:ea typeface="DejaVu Sans" pitchFamily="34" charset="0"/>
+                <a:cs typeface="DejaVu Sans" pitchFamily="34" charset="0"/>
+              </a:rPr>
+              <a:t>Face</a:t>
             </a:r>
             <a:r>
               <a:rPr lang="es-ES_tradnl" dirty="0" smtClean="0">
@@ -8389,7 +8310,15 @@
                 <a:ea typeface="DejaVu Sans" pitchFamily="34" charset="0"/>
                 <a:cs typeface="DejaVu Sans" pitchFamily="34" charset="0"/>
               </a:rPr>
-              <a:t>.</a:t>
+              <a:t> </a:t>
+            </a:r>
+            <a:r>
+              <a:rPr lang="es-ES_tradnl" dirty="0" err="1" smtClean="0">
+                <a:latin typeface="DejaVu Sans" pitchFamily="34" charset="0"/>
+                <a:ea typeface="DejaVu Sans" pitchFamily="34" charset="0"/>
+                <a:cs typeface="DejaVu Sans" pitchFamily="34" charset="0"/>
+              </a:rPr>
+              <a:t>recognition</a:t>
             </a:r>
             <a:r>
               <a:rPr lang="es-ES_tradnl" dirty="0" smtClean="0">
@@ -8397,7 +8326,7 @@
                 <a:ea typeface="DejaVu Sans" pitchFamily="34" charset="0"/>
                 <a:cs typeface="DejaVu Sans" pitchFamily="34" charset="0"/>
               </a:rPr>
-              <a:t>	</a:t>
+              <a:t>: </a:t>
             </a:r>
             <a:r>
               <a:rPr lang="es-ES_tradnl" dirty="0" err="1" smtClean="0">
@@ -8405,39 +8334,7 @@
                 <a:ea typeface="DejaVu Sans" pitchFamily="34" charset="0"/>
                 <a:cs typeface="DejaVu Sans" pitchFamily="34" charset="0"/>
               </a:rPr>
-              <a:t>Face</a:t>
-            </a:r>
-            <a:r>
-              <a:rPr lang="es-ES_tradnl" dirty="0" smtClean="0">
-                <a:latin typeface="DejaVu Sans" pitchFamily="34" charset="0"/>
-                <a:ea typeface="DejaVu Sans" pitchFamily="34" charset="0"/>
-                <a:cs typeface="DejaVu Sans" pitchFamily="34" charset="0"/>
-              </a:rPr>
-              <a:t> </a:t>
-            </a:r>
-            <a:r>
-              <a:rPr lang="es-ES_tradnl" dirty="0" err="1" smtClean="0">
-                <a:latin typeface="DejaVu Sans" pitchFamily="34" charset="0"/>
-                <a:ea typeface="DejaVu Sans" pitchFamily="34" charset="0"/>
-                <a:cs typeface="DejaVu Sans" pitchFamily="34" charset="0"/>
-              </a:rPr>
-              <a:t>recognition</a:t>
-            </a:r>
-            <a:r>
-              <a:rPr lang="es-ES_tradnl" dirty="0" smtClean="0">
-                <a:latin typeface="DejaVu Sans" pitchFamily="34" charset="0"/>
-                <a:ea typeface="DejaVu Sans" pitchFamily="34" charset="0"/>
-                <a:cs typeface="DejaVu Sans" pitchFamily="34" charset="0"/>
-              </a:rPr>
-              <a:t>: </a:t>
-            </a:r>
-            <a:r>
-              <a:rPr lang="es-ES_tradnl" dirty="0" err="1" smtClean="0">
-                <a:latin typeface="DejaVu Sans" pitchFamily="34" charset="0"/>
-                <a:ea typeface="DejaVu Sans" pitchFamily="34" charset="0"/>
-                <a:cs typeface="DejaVu Sans" pitchFamily="34" charset="0"/>
-              </a:rPr>
-              <a:t>forget</a:t>
+              <a:t>learn</a:t>
             </a:r>
             <a:endParaRPr lang="es-ES_tradnl" dirty="0">
               <a:latin typeface="DejaVu Sans" pitchFamily="34" charset="0"/>
@@ -8509,11 +8406,7 @@
           <a:p>
             <a:r>
               <a:rPr lang="es-ES_tradnl" dirty="0" smtClean="0"/>
-              <a:t>15</a:t>
-            </a:r>
-            <a:r>
-              <a:rPr lang="es-ES_tradnl" dirty="0" smtClean="0"/>
-              <a:t>/20</a:t>
+              <a:t>14/20</a:t>
             </a:r>
             <a:endParaRPr lang="es-ES_tradnl" dirty="0"/>
           </a:p>
@@ -8535,8 +8428,8 @@
         </p:blipFill>
         <p:spPr>
           <a:xfrm>
-            <a:off x="1336764" y="2148149"/>
-            <a:ext cx="10253949" cy="3556625"/>
+            <a:off x="1336764" y="1835810"/>
+            <a:ext cx="10253949" cy="4181304"/>
           </a:xfrm>
           <a:prstGeom prst="rect">
             <a:avLst/>
@@ -8594,7 +8487,15 @@
                 <a:ea typeface="DejaVu Sans" pitchFamily="34" charset="0"/>
                 <a:cs typeface="DejaVu Sans" pitchFamily="34" charset="0"/>
               </a:rPr>
-              <a:t>6.</a:t>
+              <a:t>5.	</a:t>
+            </a:r>
+            <a:r>
+              <a:rPr lang="es-ES_tradnl" dirty="0" err="1" smtClean="0">
+                <a:latin typeface="DejaVu Sans" pitchFamily="34" charset="0"/>
+                <a:ea typeface="DejaVu Sans" pitchFamily="34" charset="0"/>
+                <a:cs typeface="DejaVu Sans" pitchFamily="34" charset="0"/>
+              </a:rPr>
+              <a:t>Face</a:t>
             </a:r>
             <a:r>
               <a:rPr lang="es-ES_tradnl" dirty="0" smtClean="0">
@@ -8602,7 +8503,15 @@
                 <a:ea typeface="DejaVu Sans" pitchFamily="34" charset="0"/>
                 <a:cs typeface="DejaVu Sans" pitchFamily="34" charset="0"/>
               </a:rPr>
-              <a:t>	</a:t>
+              <a:t> </a:t>
+            </a:r>
+            <a:r>
+              <a:rPr lang="es-ES_tradnl" dirty="0" err="1" smtClean="0">
+                <a:latin typeface="DejaVu Sans" pitchFamily="34" charset="0"/>
+                <a:ea typeface="DejaVu Sans" pitchFamily="34" charset="0"/>
+                <a:cs typeface="DejaVu Sans" pitchFamily="34" charset="0"/>
+              </a:rPr>
+              <a:t>recognition</a:t>
             </a:r>
             <a:r>
               <a:rPr lang="es-ES_tradnl" dirty="0" smtClean="0">
@@ -8610,7 +8519,15 @@
                 <a:ea typeface="DejaVu Sans" pitchFamily="34" charset="0"/>
                 <a:cs typeface="DejaVu Sans" pitchFamily="34" charset="0"/>
               </a:rPr>
-              <a:t>Dialogue</a:t>
+              <a:t>: </a:t>
+            </a:r>
+            <a:r>
+              <a:rPr lang="es-ES_tradnl" dirty="0" err="1" smtClean="0">
+                <a:latin typeface="DejaVu Sans" pitchFamily="34" charset="0"/>
+                <a:ea typeface="DejaVu Sans" pitchFamily="34" charset="0"/>
+                <a:cs typeface="DejaVu Sans" pitchFamily="34" charset="0"/>
+              </a:rPr>
+              <a:t>forget</a:t>
             </a:r>
             <a:endParaRPr lang="es-ES_tradnl" dirty="0">
               <a:latin typeface="DejaVu Sans" pitchFamily="34" charset="0"/>
@@ -8649,20 +8566,7 @@
                 <a:ea typeface="DejaVu Sans" pitchFamily="34" charset="0"/>
                 <a:cs typeface="DejaVu Sans" pitchFamily="34" charset="0"/>
               </a:rPr>
-              <a:t>	The dialogues in Pepper have their own box with a special syntax when programming.</a:t>
-            </a:r>
-          </a:p>
-          <a:p>
-            <a:pPr algn="just">
-              <a:buNone/>
-            </a:pPr>
-            <a:r>
-              <a:rPr lang="en-US" dirty="0" smtClean="0">
-                <a:latin typeface="DejaVu Sans" pitchFamily="34" charset="0"/>
-                <a:ea typeface="DejaVu Sans" pitchFamily="34" charset="0"/>
-                <a:cs typeface="DejaVu Sans" pitchFamily="34" charset="0"/>
-              </a:rPr>
-              <a:t>	You have to create topics and to prepare responses when a specific concept is said by the user.</a:t>
+              <a:t>	</a:t>
             </a:r>
             <a:endParaRPr lang="es-ES_tradnl" dirty="0" smtClean="0">
               <a:latin typeface="DejaVu Sans" pitchFamily="34" charset="0"/>
@@ -8695,16 +8599,36 @@
           <a:p>
             <a:r>
               <a:rPr lang="es-ES_tradnl" dirty="0" smtClean="0"/>
-              <a:t>16</a:t>
-            </a:r>
-            <a:r>
-              <a:rPr lang="es-ES_tradnl" dirty="0" smtClean="0"/>
-              <a:t>/20</a:t>
+              <a:t>15/20</a:t>
             </a:r>
             <a:endParaRPr lang="es-ES_tradnl" dirty="0"/>
           </a:p>
         </p:txBody>
       </p:sp>
+      <p:pic>
+        <p:nvPicPr>
+          <p:cNvPr id="5" name="4 Imagen" descr="speechcommands1.png"/>
+          <p:cNvPicPr>
+            <a:picLocks noChangeAspect="1"/>
+          </p:cNvPicPr>
+          <p:nvPr/>
+        </p:nvPicPr>
+        <p:blipFill>
+          <a:blip r:embed="rId2"/>
+          <a:stretch>
+            <a:fillRect/>
+          </a:stretch>
+        </p:blipFill>
+        <p:spPr>
+          <a:xfrm>
+            <a:off x="1336764" y="2148149"/>
+            <a:ext cx="10253949" cy="3556625"/>
+          </a:xfrm>
+          <a:prstGeom prst="rect">
+            <a:avLst/>
+          </a:prstGeom>
+        </p:spPr>
+      </p:pic>
     </p:spTree>
     <p:extLst>
       <p:ext uri="{BB962C8B-B14F-4D97-AF65-F5344CB8AC3E}">
@@ -8756,25 +8680,101 @@
                 <a:ea typeface="DejaVu Sans" pitchFamily="34" charset="0"/>
                 <a:cs typeface="DejaVu Sans" pitchFamily="34" charset="0"/>
               </a:rPr>
-              <a:t>6.</a:t>
-            </a:r>
-            <a:r>
-              <a:rPr lang="es-ES_tradnl" dirty="0" smtClean="0">
-                <a:latin typeface="DejaVu Sans" pitchFamily="34" charset="0"/>
-                <a:ea typeface="DejaVu Sans" pitchFamily="34" charset="0"/>
-                <a:cs typeface="DejaVu Sans" pitchFamily="34" charset="0"/>
-              </a:rPr>
-              <a:t>	</a:t>
-            </a:r>
-            <a:r>
-              <a:rPr lang="es-ES_tradnl" dirty="0" smtClean="0">
-                <a:latin typeface="DejaVu Sans" pitchFamily="34" charset="0"/>
-                <a:ea typeface="DejaVu Sans" pitchFamily="34" charset="0"/>
-                <a:cs typeface="DejaVu Sans" pitchFamily="34" charset="0"/>
-              </a:rPr>
-              <a:t>Dialogue</a:t>
+              <a:t>6.	Dialogue</a:t>
             </a:r>
             <a:endParaRPr lang="es-ES_tradnl" dirty="0">
+              <a:latin typeface="DejaVu Sans" pitchFamily="34" charset="0"/>
+              <a:ea typeface="DejaVu Sans" pitchFamily="34" charset="0"/>
+              <a:cs typeface="DejaVu Sans" pitchFamily="34" charset="0"/>
+            </a:endParaRPr>
+          </a:p>
+        </p:txBody>
+      </p:sp>
+      <p:sp>
+        <p:nvSpPr>
+          <p:cNvPr id="3" name="Marcador de contenido 2"/>
+          <p:cNvSpPr>
+            <a:spLocks noGrp="1"/>
+          </p:cNvSpPr>
+          <p:nvPr>
+            <p:ph idx="1"/>
+          </p:nvPr>
+        </p:nvSpPr>
+        <p:spPr>
+          <a:xfrm>
+            <a:off x="617913" y="1600205"/>
+            <a:ext cx="10972800" cy="4525963"/>
+          </a:xfrm>
+        </p:spPr>
+        <p:txBody>
+          <a:bodyPr/>
+          <a:lstStyle/>
+          <a:p>
+            <a:pPr algn="just">
+              <a:buNone/>
+            </a:pPr>
+            <a:r>
+              <a:rPr lang="en-US" dirty="0" smtClean="0">
+                <a:latin typeface="DejaVu Sans" pitchFamily="34" charset="0"/>
+                <a:ea typeface="DejaVu Sans" pitchFamily="34" charset="0"/>
+                <a:cs typeface="DejaVu Sans" pitchFamily="34" charset="0"/>
+              </a:rPr>
+              <a:t>	The dialogues in Pepper have their own box with a special syntax when programming.</a:t>
+            </a:r>
+          </a:p>
+          <a:p>
+            <a:pPr algn="just">
+              <a:buNone/>
+            </a:pPr>
+            <a:r>
+              <a:rPr lang="en-US" dirty="0" smtClean="0">
+                <a:latin typeface="DejaVu Sans" pitchFamily="34" charset="0"/>
+                <a:ea typeface="DejaVu Sans" pitchFamily="34" charset="0"/>
+                <a:cs typeface="DejaVu Sans" pitchFamily="34" charset="0"/>
+              </a:rPr>
+              <a:t>	You have to create topics and to prepare responses when a specific concept is said by the user</a:t>
+            </a:r>
+            <a:r>
+              <a:rPr lang="en-US" dirty="0" smtClean="0">
+                <a:latin typeface="DejaVu Sans" pitchFamily="34" charset="0"/>
+                <a:ea typeface="DejaVu Sans" pitchFamily="34" charset="0"/>
+                <a:cs typeface="DejaVu Sans" pitchFamily="34" charset="0"/>
+              </a:rPr>
+              <a:t>.</a:t>
+            </a:r>
+          </a:p>
+          <a:p>
+            <a:pPr algn="just">
+              <a:buNone/>
+            </a:pPr>
+            <a:endParaRPr lang="en-US" dirty="0" smtClean="0">
+              <a:latin typeface="DejaVu Sans" pitchFamily="34" charset="0"/>
+              <a:ea typeface="DejaVu Sans" pitchFamily="34" charset="0"/>
+              <a:cs typeface="DejaVu Sans" pitchFamily="34" charset="0"/>
+            </a:endParaRPr>
+          </a:p>
+          <a:p>
+            <a:pPr algn="just">
+              <a:buNone/>
+            </a:pPr>
+            <a:r>
+              <a:rPr lang="en-US" smtClean="0">
+                <a:latin typeface="DejaVu Sans" pitchFamily="34" charset="0"/>
+                <a:ea typeface="DejaVu Sans" pitchFamily="34" charset="0"/>
+                <a:cs typeface="DejaVu Sans" pitchFamily="34" charset="0"/>
+              </a:rPr>
+              <a:t>	Video:	</a:t>
+            </a:r>
+            <a:r>
+              <a:rPr lang="en-US" smtClean="0">
+                <a:latin typeface="DejaVu Sans" pitchFamily="34" charset="0"/>
+                <a:ea typeface="DejaVu Sans" pitchFamily="34" charset="0"/>
+                <a:cs typeface="DejaVu Sans" pitchFamily="34" charset="0"/>
+                <a:hlinkClick r:id="rId2"/>
+              </a:rPr>
+              <a:t>https://www.youtube.com/watch?v=crDNVtnfmrY</a:t>
+            </a:r>
+            <a:endParaRPr lang="es-ES_tradnl" dirty="0" smtClean="0">
               <a:latin typeface="DejaVu Sans" pitchFamily="34" charset="0"/>
               <a:ea typeface="DejaVu Sans" pitchFamily="34" charset="0"/>
               <a:cs typeface="DejaVu Sans" pitchFamily="34" charset="0"/>
@@ -8805,40 +8805,12 @@
           <a:p>
             <a:r>
               <a:rPr lang="es-ES_tradnl" dirty="0" smtClean="0"/>
-              <a:t>17</a:t>
-            </a:r>
-            <a:r>
-              <a:rPr lang="es-ES_tradnl" dirty="0" smtClean="0"/>
-              <a:t>/20</a:t>
+              <a:t>16/20</a:t>
             </a:r>
             <a:endParaRPr lang="es-ES_tradnl" dirty="0"/>
           </a:p>
         </p:txBody>
       </p:sp>
-      <p:pic>
-        <p:nvPicPr>
-          <p:cNvPr id="5" name="4 Imagen" descr="dialogue1.png"/>
-          <p:cNvPicPr>
-            <a:picLocks noChangeAspect="1"/>
-          </p:cNvPicPr>
-          <p:nvPr/>
-        </p:nvPicPr>
-        <p:blipFill>
-          <a:blip r:embed="rId2"/>
-          <a:stretch>
-            <a:fillRect/>
-          </a:stretch>
-        </p:blipFill>
-        <p:spPr>
-          <a:xfrm>
-            <a:off x="1219200" y="1426464"/>
-            <a:ext cx="10042299" cy="4670254"/>
-          </a:xfrm>
-          <a:prstGeom prst="rect">
-            <a:avLst/>
-          </a:prstGeom>
-        </p:spPr>
-      </p:pic>
     </p:spTree>
     <p:extLst>
       <p:ext uri="{BB962C8B-B14F-4D97-AF65-F5344CB8AC3E}">
@@ -9045,21 +9017,8 @@
                 <a:ea typeface="DejaVu Sans" pitchFamily="34" charset="0"/>
                 <a:cs typeface="DejaVu Sans" pitchFamily="34" charset="0"/>
               </a:rPr>
-              <a:t>	</a:t>
-            </a:r>
-            <a:r>
-              <a:rPr lang="es-ES_tradnl" dirty="0" smtClean="0">
-                <a:latin typeface="DejaVu Sans" pitchFamily="34" charset="0"/>
-                <a:ea typeface="DejaVu Sans" pitchFamily="34" charset="0"/>
-                <a:cs typeface="DejaVu Sans" pitchFamily="34" charset="0"/>
-              </a:rPr>
-              <a:t>3</a:t>
-            </a:r>
-            <a:endParaRPr lang="es-ES_tradnl" dirty="0" smtClean="0">
-              <a:latin typeface="DejaVu Sans" pitchFamily="34" charset="0"/>
-              <a:ea typeface="DejaVu Sans" pitchFamily="34" charset="0"/>
-              <a:cs typeface="DejaVu Sans" pitchFamily="34" charset="0"/>
-            </a:endParaRPr>
+              <a:t>	3</a:t>
+            </a:r>
           </a:p>
           <a:p>
             <a:pPr>
@@ -9071,29 +9030,8 @@
                 <a:ea typeface="DejaVu Sans" pitchFamily="34" charset="0"/>
                 <a:cs typeface="DejaVu Sans" pitchFamily="34" charset="0"/>
               </a:rPr>
-              <a:t>	3.1. Interface	</a:t>
-            </a:r>
-            <a:r>
-              <a:rPr lang="es-ES_tradnl" dirty="0" smtClean="0">
-                <a:latin typeface="DejaVu Sans" pitchFamily="34" charset="0"/>
-                <a:ea typeface="DejaVu Sans" pitchFamily="34" charset="0"/>
-                <a:cs typeface="DejaVu Sans" pitchFamily="34" charset="0"/>
-              </a:rPr>
-              <a:t>						</a:t>
-            </a:r>
-            <a:r>
-              <a:rPr lang="es-ES_tradnl" dirty="0" smtClean="0">
-                <a:latin typeface="DejaVu Sans" pitchFamily="34" charset="0"/>
-                <a:ea typeface="DejaVu Sans" pitchFamily="34" charset="0"/>
-                <a:cs typeface="DejaVu Sans" pitchFamily="34" charset="0"/>
-              </a:rPr>
-              <a:t>	4</a:t>
-            </a:r>
-            <a:endParaRPr lang="es-ES_tradnl" dirty="0" smtClean="0">
-              <a:latin typeface="DejaVu Sans" pitchFamily="34" charset="0"/>
-              <a:ea typeface="DejaVu Sans" pitchFamily="34" charset="0"/>
-              <a:cs typeface="DejaVu Sans" pitchFamily="34" charset="0"/>
-            </a:endParaRPr>
+              <a:t>	3.1. Interface								4</a:t>
+            </a:r>
           </a:p>
           <a:p>
             <a:pPr>
@@ -9105,7 +9043,15 @@
                 <a:ea typeface="DejaVu Sans" pitchFamily="34" charset="0"/>
                 <a:cs typeface="DejaVu Sans" pitchFamily="34" charset="0"/>
               </a:rPr>
-              <a:t>	</a:t>
+              <a:t>	3.2. </a:t>
+            </a:r>
+            <a:r>
+              <a:rPr lang="es-ES_tradnl" dirty="0" err="1" smtClean="0">
+                <a:latin typeface="DejaVu Sans" pitchFamily="34" charset="0"/>
+                <a:ea typeface="DejaVu Sans" pitchFamily="34" charset="0"/>
+                <a:cs typeface="DejaVu Sans" pitchFamily="34" charset="0"/>
+              </a:rPr>
+              <a:t>How</a:t>
             </a:r>
             <a:r>
               <a:rPr lang="es-ES_tradnl" dirty="0" smtClean="0">
@@ -9113,7 +9059,7 @@
                 <a:ea typeface="DejaVu Sans" pitchFamily="34" charset="0"/>
                 <a:cs typeface="DejaVu Sans" pitchFamily="34" charset="0"/>
               </a:rPr>
-              <a:t>3.2. </a:t>
+              <a:t> </a:t>
             </a:r>
             <a:r>
               <a:rPr lang="es-ES_tradnl" dirty="0" err="1" smtClean="0">
@@ -9121,7 +9067,7 @@
                 <a:ea typeface="DejaVu Sans" pitchFamily="34" charset="0"/>
                 <a:cs typeface="DejaVu Sans" pitchFamily="34" charset="0"/>
               </a:rPr>
-              <a:t>How</a:t>
+              <a:t>to</a:t>
             </a:r>
             <a:r>
               <a:rPr lang="es-ES_tradnl" dirty="0" smtClean="0">
@@ -9137,7 +9083,7 @@
                 <a:ea typeface="DejaVu Sans" pitchFamily="34" charset="0"/>
                 <a:cs typeface="DejaVu Sans" pitchFamily="34" charset="0"/>
               </a:rPr>
-              <a:t>to</a:t>
+              <a:t>connect</a:t>
             </a:r>
             <a:r>
               <a:rPr lang="es-ES_tradnl" dirty="0" smtClean="0">
@@ -9145,37 +9091,8 @@
                 <a:ea typeface="DejaVu Sans" pitchFamily="34" charset="0"/>
                 <a:cs typeface="DejaVu Sans" pitchFamily="34" charset="0"/>
               </a:rPr>
-              <a:t> </a:t>
-            </a:r>
-            <a:r>
-              <a:rPr lang="es-ES_tradnl" dirty="0" err="1" smtClean="0">
-                <a:latin typeface="DejaVu Sans" pitchFamily="34" charset="0"/>
-                <a:ea typeface="DejaVu Sans" pitchFamily="34" charset="0"/>
-                <a:cs typeface="DejaVu Sans" pitchFamily="34" charset="0"/>
-              </a:rPr>
-              <a:t>connect</a:t>
-            </a:r>
-            <a:r>
-              <a:rPr lang="es-ES_tradnl" dirty="0" smtClean="0">
-                <a:latin typeface="DejaVu Sans" pitchFamily="34" charset="0"/>
-                <a:ea typeface="DejaVu Sans" pitchFamily="34" charset="0"/>
-                <a:cs typeface="DejaVu Sans" pitchFamily="34" charset="0"/>
-              </a:rPr>
-              <a:t>						</a:t>
-            </a:r>
-            <a:r>
-              <a:rPr lang="es-ES_tradnl" dirty="0" smtClean="0">
-                <a:latin typeface="DejaVu Sans" pitchFamily="34" charset="0"/>
-                <a:ea typeface="DejaVu Sans" pitchFamily="34" charset="0"/>
-                <a:cs typeface="DejaVu Sans" pitchFamily="34" charset="0"/>
-              </a:rPr>
-              <a:t>	5</a:t>
-            </a:r>
-            <a:endParaRPr lang="es-ES_tradnl" dirty="0" smtClean="0">
-              <a:latin typeface="DejaVu Sans" pitchFamily="34" charset="0"/>
-              <a:ea typeface="DejaVu Sans" pitchFamily="34" charset="0"/>
-              <a:cs typeface="DejaVu Sans" pitchFamily="34" charset="0"/>
-            </a:endParaRPr>
+              <a:t>							5</a:t>
+            </a:r>
           </a:p>
           <a:p>
             <a:pPr>
@@ -9219,15 +9136,7 @@
                 <a:ea typeface="DejaVu Sans" pitchFamily="34" charset="0"/>
                 <a:cs typeface="DejaVu Sans" pitchFamily="34" charset="0"/>
               </a:rPr>
-              <a:t>						</a:t>
-            </a:r>
-            <a:r>
-              <a:rPr lang="es-ES_tradnl" dirty="0" smtClean="0">
-                <a:latin typeface="DejaVu Sans" pitchFamily="34" charset="0"/>
-                <a:ea typeface="DejaVu Sans" pitchFamily="34" charset="0"/>
-                <a:cs typeface="DejaVu Sans" pitchFamily="34" charset="0"/>
-              </a:rPr>
-              <a:t>	6</a:t>
+              <a:t>							6</a:t>
             </a:r>
           </a:p>
           <a:p>
@@ -9240,15 +9149,7 @@
                 <a:ea typeface="DejaVu Sans" pitchFamily="34" charset="0"/>
                 <a:cs typeface="DejaVu Sans" pitchFamily="34" charset="0"/>
               </a:rPr>
-              <a:t>	</a:t>
-            </a:r>
-            <a:r>
-              <a:rPr lang="es-ES_tradnl" dirty="0" smtClean="0">
-                <a:latin typeface="DejaVu Sans" pitchFamily="34" charset="0"/>
-                <a:ea typeface="DejaVu Sans" pitchFamily="34" charset="0"/>
-                <a:cs typeface="DejaVu Sans" pitchFamily="34" charset="0"/>
-              </a:rPr>
-              <a:t>4.1. </a:t>
+              <a:t>	4.1. </a:t>
             </a:r>
             <a:r>
               <a:rPr lang="es-ES_tradnl" dirty="0" err="1" smtClean="0">
@@ -9277,15 +9178,7 @@
                 <a:ea typeface="DejaVu Sans" pitchFamily="34" charset="0"/>
                 <a:cs typeface="DejaVu Sans" pitchFamily="34" charset="0"/>
               </a:rPr>
-              <a:t>	</a:t>
-            </a:r>
-            <a:r>
-              <a:rPr lang="es-ES_tradnl" dirty="0" smtClean="0">
-                <a:latin typeface="DejaVu Sans" pitchFamily="34" charset="0"/>
-                <a:ea typeface="DejaVu Sans" pitchFamily="34" charset="0"/>
-                <a:cs typeface="DejaVu Sans" pitchFamily="34" charset="0"/>
-              </a:rPr>
-              <a:t>4.2. </a:t>
+              <a:t>	4.2. </a:t>
             </a:r>
             <a:r>
               <a:rPr lang="es-ES_tradnl" dirty="0" err="1" smtClean="0">
@@ -9449,80 +9342,9 @@
                 <a:ea typeface="DejaVu Sans" pitchFamily="34" charset="0"/>
                 <a:cs typeface="DejaVu Sans" pitchFamily="34" charset="0"/>
               </a:rPr>
-              <a:t>6.</a:t>
-            </a:r>
-            <a:r>
-              <a:rPr lang="es-ES_tradnl" dirty="0" smtClean="0">
-                <a:latin typeface="DejaVu Sans" pitchFamily="34" charset="0"/>
-                <a:ea typeface="DejaVu Sans" pitchFamily="34" charset="0"/>
-                <a:cs typeface="DejaVu Sans" pitchFamily="34" charset="0"/>
-              </a:rPr>
-              <a:t>	</a:t>
-            </a:r>
-            <a:r>
-              <a:rPr lang="es-ES_tradnl" dirty="0" smtClean="0">
-                <a:latin typeface="DejaVu Sans" pitchFamily="34" charset="0"/>
-                <a:ea typeface="DejaVu Sans" pitchFamily="34" charset="0"/>
-                <a:cs typeface="DejaVu Sans" pitchFamily="34" charset="0"/>
-              </a:rPr>
-              <a:t>Dialogue</a:t>
+              <a:t>6.	Dialogue</a:t>
             </a:r>
             <a:endParaRPr lang="es-ES_tradnl" dirty="0">
-              <a:latin typeface="DejaVu Sans" pitchFamily="34" charset="0"/>
-              <a:ea typeface="DejaVu Sans" pitchFamily="34" charset="0"/>
-              <a:cs typeface="DejaVu Sans" pitchFamily="34" charset="0"/>
-            </a:endParaRPr>
-          </a:p>
-        </p:txBody>
-      </p:sp>
-      <p:sp>
-        <p:nvSpPr>
-          <p:cNvPr id="3" name="Marcador de contenido 2"/>
-          <p:cNvSpPr>
-            <a:spLocks noGrp="1"/>
-          </p:cNvSpPr>
-          <p:nvPr>
-            <p:ph idx="1"/>
-          </p:nvPr>
-        </p:nvSpPr>
-        <p:spPr>
-          <a:xfrm>
-            <a:off x="617913" y="1600205"/>
-            <a:ext cx="10972800" cy="4525963"/>
-          </a:xfrm>
-        </p:spPr>
-        <p:txBody>
-          <a:bodyPr/>
-          <a:lstStyle/>
-          <a:p>
-            <a:pPr algn="just">
-              <a:buNone/>
-            </a:pPr>
-            <a:r>
-              <a:rPr lang="en-US" dirty="0" smtClean="0">
-                <a:latin typeface="DejaVu Sans" pitchFamily="34" charset="0"/>
-                <a:ea typeface="DejaVu Sans" pitchFamily="34" charset="0"/>
-                <a:cs typeface="DejaVu Sans" pitchFamily="34" charset="0"/>
-              </a:rPr>
-              <a:t>	We also created our own animation using a timeline editor provided in </a:t>
-            </a:r>
-            <a:r>
-              <a:rPr lang="en-US" dirty="0" err="1" smtClean="0">
-                <a:latin typeface="DejaVu Sans" pitchFamily="34" charset="0"/>
-                <a:ea typeface="DejaVu Sans" pitchFamily="34" charset="0"/>
-                <a:cs typeface="DejaVu Sans" pitchFamily="34" charset="0"/>
-              </a:rPr>
-              <a:t>Choregraphe</a:t>
-            </a:r>
-            <a:r>
-              <a:rPr lang="en-US" dirty="0" smtClean="0">
-                <a:latin typeface="DejaVu Sans" pitchFamily="34" charset="0"/>
-                <a:ea typeface="DejaVu Sans" pitchFamily="34" charset="0"/>
-                <a:cs typeface="DejaVu Sans" pitchFamily="34" charset="0"/>
-              </a:rPr>
-              <a:t>.</a:t>
-            </a:r>
-            <a:endParaRPr lang="es-ES_tradnl" dirty="0" smtClean="0">
               <a:latin typeface="DejaVu Sans" pitchFamily="34" charset="0"/>
               <a:ea typeface="DejaVu Sans" pitchFamily="34" charset="0"/>
               <a:cs typeface="DejaVu Sans" pitchFamily="34" charset="0"/>
@@ -9553,11 +9375,7 @@
           <a:p>
             <a:r>
               <a:rPr lang="es-ES_tradnl" dirty="0" smtClean="0"/>
-              <a:t>18</a:t>
-            </a:r>
-            <a:r>
-              <a:rPr lang="es-ES_tradnl" dirty="0" smtClean="0"/>
-              <a:t>/20</a:t>
+              <a:t>17/20</a:t>
             </a:r>
             <a:endParaRPr lang="es-ES_tradnl" dirty="0"/>
           </a:p>
@@ -9565,35 +9383,26 @@
       </p:sp>
       <p:pic>
         <p:nvPicPr>
-          <p:cNvPr id="2052" name="Picture 4"/>
+          <p:cNvPr id="5" name="4 Imagen" descr="dialogue1.png"/>
           <p:cNvPicPr>
-            <a:picLocks noChangeAspect="1" noChangeArrowheads="1"/>
+            <a:picLocks noChangeAspect="1"/>
           </p:cNvPicPr>
           <p:nvPr/>
         </p:nvPicPr>
         <p:blipFill>
           <a:blip r:embed="rId2"/>
-          <a:srcRect/>
           <a:stretch>
             <a:fillRect/>
           </a:stretch>
         </p:blipFill>
-        <p:spPr bwMode="auto">
+        <p:spPr>
           <a:xfrm>
-            <a:off x="2656187" y="2669060"/>
-            <a:ext cx="7095523" cy="3991232"/>
+            <a:off x="1219200" y="1426464"/>
+            <a:ext cx="10042299" cy="4670254"/>
           </a:xfrm>
           <a:prstGeom prst="rect">
             <a:avLst/>
           </a:prstGeom>
-          <a:noFill/>
-          <a:ln w="9525">
-            <a:noFill/>
-            <a:miter lim="800000"/>
-            <a:headEnd/>
-            <a:tailEnd/>
-          </a:ln>
-          <a:effectLst/>
         </p:spPr>
       </p:pic>
     </p:spTree>
@@ -9647,23 +9456,7 @@
                 <a:ea typeface="DejaVu Sans" pitchFamily="34" charset="0"/>
                 <a:cs typeface="DejaVu Sans" pitchFamily="34" charset="0"/>
               </a:rPr>
-              <a:t>6.</a:t>
-            </a:r>
-            <a:r>
-              <a:rPr lang="es-ES_tradnl" dirty="0" smtClean="0">
-                <a:latin typeface="DejaVu Sans" pitchFamily="34" charset="0"/>
-                <a:ea typeface="DejaVu Sans" pitchFamily="34" charset="0"/>
-                <a:cs typeface="DejaVu Sans" pitchFamily="34" charset="0"/>
-              </a:rPr>
-              <a:t>	</a:t>
-            </a:r>
-            <a:r>
-              <a:rPr lang="es-ES_tradnl" dirty="0" smtClean="0">
-                <a:latin typeface="DejaVu Sans" pitchFamily="34" charset="0"/>
-                <a:ea typeface="DejaVu Sans" pitchFamily="34" charset="0"/>
-                <a:cs typeface="DejaVu Sans" pitchFamily="34" charset="0"/>
-              </a:rPr>
-              <a:t>Dialogue</a:t>
+              <a:t>6.	Dialogue</a:t>
             </a:r>
             <a:endParaRPr lang="es-ES_tradnl" dirty="0">
               <a:latin typeface="DejaVu Sans" pitchFamily="34" charset="0"/>
@@ -9702,7 +9495,23 @@
                 <a:ea typeface="DejaVu Sans" pitchFamily="34" charset="0"/>
                 <a:cs typeface="DejaVu Sans" pitchFamily="34" charset="0"/>
               </a:rPr>
-              <a:t>	In order to display a image, the Show Image block is used. </a:t>
+              <a:t>	We also created our own animation using a timeline editor provided in </a:t>
+            </a:r>
+            <a:r>
+              <a:rPr lang="en-US" dirty="0" err="1" smtClean="0">
+                <a:latin typeface="DejaVu Sans" pitchFamily="34" charset="0"/>
+                <a:ea typeface="DejaVu Sans" pitchFamily="34" charset="0"/>
+                <a:cs typeface="DejaVu Sans" pitchFamily="34" charset="0"/>
+              </a:rPr>
+              <a:t>Choregraphe</a:t>
+            </a:r>
+            <a:r>
+              <a:rPr lang="en-US" dirty="0" smtClean="0">
+                <a:latin typeface="DejaVu Sans" pitchFamily="34" charset="0"/>
+                <a:ea typeface="DejaVu Sans" pitchFamily="34" charset="0"/>
+                <a:cs typeface="DejaVu Sans" pitchFamily="34" charset="0"/>
+              </a:rPr>
+              <a:t>.</a:t>
             </a:r>
             <a:endParaRPr lang="es-ES_tradnl" dirty="0" smtClean="0">
               <a:latin typeface="DejaVu Sans" pitchFamily="34" charset="0"/>
@@ -9735,11 +9544,7 @@
           <a:p>
             <a:r>
               <a:rPr lang="es-ES_tradnl" dirty="0" smtClean="0"/>
-              <a:t>19</a:t>
-            </a:r>
-            <a:r>
-              <a:rPr lang="es-ES_tradnl" dirty="0" smtClean="0"/>
-              <a:t>/20</a:t>
+              <a:t>18/20</a:t>
             </a:r>
             <a:endParaRPr lang="es-ES_tradnl" dirty="0"/>
           </a:p>
@@ -9755,14 +9560,15 @@
         </p:nvPicPr>
         <p:blipFill>
           <a:blip r:embed="rId2"/>
+          <a:srcRect/>
           <a:stretch>
             <a:fillRect/>
           </a:stretch>
         </p:blipFill>
         <p:spPr bwMode="auto">
           <a:xfrm>
-            <a:off x="2557592" y="3064477"/>
-            <a:ext cx="7935524" cy="2894054"/>
+            <a:off x="2656187" y="2669060"/>
+            <a:ext cx="7095523" cy="3991232"/>
           </a:xfrm>
           <a:prstGeom prst="rect">
             <a:avLst/>
@@ -9828,23 +9634,7 @@
                 <a:ea typeface="DejaVu Sans" pitchFamily="34" charset="0"/>
                 <a:cs typeface="DejaVu Sans" pitchFamily="34" charset="0"/>
               </a:rPr>
-              <a:t>7.</a:t>
-            </a:r>
-            <a:r>
-              <a:rPr lang="es-ES_tradnl" dirty="0" smtClean="0">
-                <a:latin typeface="DejaVu Sans" pitchFamily="34" charset="0"/>
-                <a:ea typeface="DejaVu Sans" pitchFamily="34" charset="0"/>
-                <a:cs typeface="DejaVu Sans" pitchFamily="34" charset="0"/>
-              </a:rPr>
-              <a:t>	</a:t>
-            </a:r>
-            <a:r>
-              <a:rPr lang="es-ES_tradnl" dirty="0" err="1" smtClean="0">
-                <a:latin typeface="DejaVu Sans" pitchFamily="34" charset="0"/>
-                <a:ea typeface="DejaVu Sans" pitchFamily="34" charset="0"/>
-                <a:cs typeface="DejaVu Sans" pitchFamily="34" charset="0"/>
-              </a:rPr>
-              <a:t>Conclusions</a:t>
+              <a:t>6.	Dialogue</a:t>
             </a:r>
             <a:endParaRPr lang="es-ES_tradnl" dirty="0">
               <a:latin typeface="DejaVu Sans" pitchFamily="34" charset="0"/>
@@ -9883,49 +9673,165 @@
                 <a:ea typeface="DejaVu Sans" pitchFamily="34" charset="0"/>
                 <a:cs typeface="DejaVu Sans" pitchFamily="34" charset="0"/>
               </a:rPr>
-              <a:t>	</a:t>
-            </a:r>
-            <a:r>
-              <a:rPr lang="en-US" dirty="0" smtClean="0">
-                <a:latin typeface="DejaVu Sans" pitchFamily="34" charset="0"/>
-                <a:ea typeface="DejaVu Sans" pitchFamily="34" charset="0"/>
-                <a:cs typeface="DejaVu Sans" pitchFamily="34" charset="0"/>
-              </a:rPr>
-              <a:t>We </a:t>
-            </a:r>
-            <a:r>
-              <a:rPr lang="en-US" dirty="0" smtClean="0">
-                <a:latin typeface="DejaVu Sans" pitchFamily="34" charset="0"/>
-                <a:ea typeface="DejaVu Sans" pitchFamily="34" charset="0"/>
-                <a:cs typeface="DejaVu Sans" pitchFamily="34" charset="0"/>
-              </a:rPr>
-              <a:t>have learnt how </a:t>
-            </a:r>
-            <a:r>
-              <a:rPr lang="en-US" dirty="0" smtClean="0">
-                <a:latin typeface="DejaVu Sans" pitchFamily="34" charset="0"/>
-                <a:ea typeface="DejaVu Sans" pitchFamily="34" charset="0"/>
-                <a:cs typeface="DejaVu Sans" pitchFamily="34" charset="0"/>
-              </a:rPr>
-              <a:t>to work with Pepper and </a:t>
-            </a:r>
-            <a:r>
-              <a:rPr lang="en-US" dirty="0" err="1" smtClean="0">
-                <a:latin typeface="DejaVu Sans" pitchFamily="34" charset="0"/>
-                <a:ea typeface="DejaVu Sans" pitchFamily="34" charset="0"/>
-                <a:cs typeface="DejaVu Sans" pitchFamily="34" charset="0"/>
-              </a:rPr>
-              <a:t>Choregraphe</a:t>
-            </a:r>
-            <a:r>
-              <a:rPr lang="en-US" dirty="0" smtClean="0">
-                <a:latin typeface="DejaVu Sans" pitchFamily="34" charset="0"/>
-                <a:ea typeface="DejaVu Sans" pitchFamily="34" charset="0"/>
-                <a:cs typeface="DejaVu Sans" pitchFamily="34" charset="0"/>
-              </a:rPr>
-              <a:t>.</a:t>
-            </a:r>
-          </a:p>
+              <a:t>	In order to display a image, the Show Image block is used. </a:t>
+            </a:r>
+            <a:endParaRPr lang="es-ES_tradnl" dirty="0" smtClean="0">
+              <a:latin typeface="DejaVu Sans" pitchFamily="34" charset="0"/>
+              <a:ea typeface="DejaVu Sans" pitchFamily="34" charset="0"/>
+              <a:cs typeface="DejaVu Sans" pitchFamily="34" charset="0"/>
+            </a:endParaRPr>
+          </a:p>
+        </p:txBody>
+      </p:sp>
+      <p:sp>
+        <p:nvSpPr>
+          <p:cNvPr id="4" name="Marcador de número de diapositiva 3">
+            <a:extLst>
+              <a:ext uri="{FF2B5EF4-FFF2-40B4-BE49-F238E27FC236}">
+                <a16:creationId xmlns:a16="http://schemas.microsoft.com/office/drawing/2014/main" xmlns="" id="{352A9F3F-2243-441D-A790-17483122CD59}"/>
+              </a:ext>
+            </a:extLst>
+          </p:cNvPr>
+          <p:cNvSpPr>
+            <a:spLocks noGrp="1"/>
+          </p:cNvSpPr>
+          <p:nvPr>
+            <p:ph type="sldNum" sz="quarter" idx="12"/>
+          </p:nvPr>
+        </p:nvSpPr>
+        <p:spPr/>
+        <p:txBody>
+          <a:bodyPr/>
+          <a:lstStyle/>
+          <a:p>
+            <a:r>
+              <a:rPr lang="es-ES_tradnl" dirty="0" smtClean="0"/>
+              <a:t>19/20</a:t>
+            </a:r>
+            <a:endParaRPr lang="es-ES_tradnl" dirty="0"/>
+          </a:p>
+        </p:txBody>
+      </p:sp>
+      <p:pic>
+        <p:nvPicPr>
+          <p:cNvPr id="2052" name="Picture 4"/>
+          <p:cNvPicPr>
+            <a:picLocks noChangeAspect="1" noChangeArrowheads="1"/>
+          </p:cNvPicPr>
+          <p:nvPr/>
+        </p:nvPicPr>
+        <p:blipFill>
+          <a:blip r:embed="rId2"/>
+          <a:stretch>
+            <a:fillRect/>
+          </a:stretch>
+        </p:blipFill>
+        <p:spPr bwMode="auto">
+          <a:xfrm>
+            <a:off x="2557592" y="3064477"/>
+            <a:ext cx="7935524" cy="2894054"/>
+          </a:xfrm>
+          <a:prstGeom prst="rect">
+            <a:avLst/>
+          </a:prstGeom>
+          <a:noFill/>
+          <a:ln w="9525">
+            <a:noFill/>
+            <a:miter lim="800000"/>
+            <a:headEnd/>
+            <a:tailEnd/>
+          </a:ln>
+          <a:effectLst/>
+        </p:spPr>
+      </p:pic>
+    </p:spTree>
+    <p:extLst>
+      <p:ext uri="{BB962C8B-B14F-4D97-AF65-F5344CB8AC3E}">
+        <p14:creationId xmlns:p14="http://schemas.microsoft.com/office/powerpoint/2010/main" xmlns="" val="2093915130"/>
+      </p:ext>
+    </p:extLst>
+  </p:cSld>
+  <p:clrMapOvr>
+    <a:masterClrMapping/>
+  </p:clrMapOvr>
+</p:sld>
+</file>
+
+<file path=ppt/slides/slide23.xml><?xml version="1.0" encoding="utf-8"?>
+<p:sld xmlns:a="http://schemas.openxmlformats.org/drawingml/2006/main" xmlns:r="http://schemas.openxmlformats.org/officeDocument/2006/relationships" xmlns:p="http://schemas.openxmlformats.org/presentationml/2006/main">
+  <p:cSld>
+    <p:spTree>
+      <p:nvGrpSpPr>
+        <p:cNvPr id="1" name=""/>
+        <p:cNvGrpSpPr/>
+        <p:nvPr/>
+      </p:nvGrpSpPr>
+      <p:grpSpPr>
+        <a:xfrm>
+          <a:off x="0" y="0"/>
+          <a:ext cx="0" cy="0"/>
+          <a:chOff x="0" y="0"/>
+          <a:chExt cx="0" cy="0"/>
+        </a:xfrm>
+      </p:grpSpPr>
+      <p:sp>
+        <p:nvSpPr>
+          <p:cNvPr id="2" name="Título 1"/>
+          <p:cNvSpPr>
+            <a:spLocks noGrp="1"/>
+          </p:cNvSpPr>
+          <p:nvPr>
+            <p:ph type="title"/>
+          </p:nvPr>
+        </p:nvSpPr>
+        <p:spPr/>
+        <p:txBody>
+          <a:bodyPr/>
+          <a:lstStyle/>
+          <a:p>
+            <a:r>
+              <a:rPr lang="es-ES_tradnl" dirty="0" smtClean="0">
+                <a:latin typeface="DejaVu Sans" pitchFamily="34" charset="0"/>
+                <a:ea typeface="DejaVu Sans" pitchFamily="34" charset="0"/>
+                <a:cs typeface="DejaVu Sans" pitchFamily="34" charset="0"/>
+              </a:rPr>
+              <a:t>7.	</a:t>
+            </a:r>
+            <a:r>
+              <a:rPr lang="es-ES_tradnl" dirty="0" err="1" smtClean="0">
+                <a:latin typeface="DejaVu Sans" pitchFamily="34" charset="0"/>
+                <a:ea typeface="DejaVu Sans" pitchFamily="34" charset="0"/>
+                <a:cs typeface="DejaVu Sans" pitchFamily="34" charset="0"/>
+              </a:rPr>
+              <a:t>Conclusions</a:t>
+            </a:r>
+            <a:endParaRPr lang="es-ES_tradnl" dirty="0">
+              <a:latin typeface="DejaVu Sans" pitchFamily="34" charset="0"/>
+              <a:ea typeface="DejaVu Sans" pitchFamily="34" charset="0"/>
+              <a:cs typeface="DejaVu Sans" pitchFamily="34" charset="0"/>
+            </a:endParaRPr>
+          </a:p>
+        </p:txBody>
+      </p:sp>
+      <p:sp>
+        <p:nvSpPr>
+          <p:cNvPr id="3" name="Marcador de contenido 2"/>
+          <p:cNvSpPr>
+            <a:spLocks noGrp="1"/>
+          </p:cNvSpPr>
+          <p:nvPr>
+            <p:ph idx="1"/>
+          </p:nvPr>
+        </p:nvSpPr>
+        <p:spPr>
+          <a:xfrm>
+            <a:off x="617913" y="1600205"/>
+            <a:ext cx="10972800" cy="4525963"/>
+          </a:xfrm>
+        </p:spPr>
+        <p:txBody>
+          <a:bodyPr/>
+          <a:lstStyle/>
           <a:p>
             <a:pPr algn="just">
               <a:buNone/>
@@ -9936,7 +9842,15 @@
                 <a:ea typeface="DejaVu Sans" pitchFamily="34" charset="0"/>
                 <a:cs typeface="DejaVu Sans" pitchFamily="34" charset="0"/>
               </a:rPr>
-              <a:t>	</a:t>
+              <a:t>	We have learnt how to work with Pepper and </a:t>
+            </a:r>
+            <a:r>
+              <a:rPr lang="en-US" dirty="0" err="1" smtClean="0">
+                <a:latin typeface="DejaVu Sans" pitchFamily="34" charset="0"/>
+                <a:ea typeface="DejaVu Sans" pitchFamily="34" charset="0"/>
+                <a:cs typeface="DejaVu Sans" pitchFamily="34" charset="0"/>
+              </a:rPr>
+              <a:t>Choregraphe</a:t>
             </a:r>
             <a:r>
               <a:rPr lang="en-US" dirty="0" smtClean="0">
@@ -9944,31 +9858,7 @@
                 <a:ea typeface="DejaVu Sans" pitchFamily="34" charset="0"/>
                 <a:cs typeface="DejaVu Sans" pitchFamily="34" charset="0"/>
               </a:rPr>
-              <a:t>We have implemented </a:t>
-            </a:r>
-            <a:r>
-              <a:rPr lang="en-US" dirty="0" err="1" smtClean="0">
-                <a:latin typeface="DejaVu Sans" pitchFamily="34" charset="0"/>
-                <a:ea typeface="DejaVu Sans" pitchFamily="34" charset="0"/>
-                <a:cs typeface="DejaVu Sans" pitchFamily="34" charset="0"/>
-              </a:rPr>
-              <a:t>behaviours</a:t>
-            </a:r>
-            <a:r>
-              <a:rPr lang="en-US" dirty="0" smtClean="0">
-                <a:latin typeface="DejaVu Sans" pitchFamily="34" charset="0"/>
-                <a:ea typeface="DejaVu Sans" pitchFamily="34" charset="0"/>
-                <a:cs typeface="DejaVu Sans" pitchFamily="34" charset="0"/>
-              </a:rPr>
-              <a:t> based on human-robot </a:t>
-            </a:r>
-            <a:r>
-              <a:rPr lang="en-US" dirty="0" smtClean="0">
-                <a:latin typeface="DejaVu Sans" pitchFamily="34" charset="0"/>
-                <a:ea typeface="DejaVu Sans" pitchFamily="34" charset="0"/>
-                <a:cs typeface="DejaVu Sans" pitchFamily="34" charset="0"/>
-              </a:rPr>
-              <a:t>interaction.</a:t>
+              <a:t>.</a:t>
             </a:r>
           </a:p>
           <a:p>
@@ -9981,7 +9871,15 @@
                 <a:ea typeface="DejaVu Sans" pitchFamily="34" charset="0"/>
                 <a:cs typeface="DejaVu Sans" pitchFamily="34" charset="0"/>
               </a:rPr>
-              <a:t>	It </a:t>
+              <a:t>	We have implemented </a:t>
+            </a:r>
+            <a:r>
+              <a:rPr lang="en-US" dirty="0" err="1" smtClean="0">
+                <a:latin typeface="DejaVu Sans" pitchFamily="34" charset="0"/>
+                <a:ea typeface="DejaVu Sans" pitchFamily="34" charset="0"/>
+                <a:cs typeface="DejaVu Sans" pitchFamily="34" charset="0"/>
+              </a:rPr>
+              <a:t>behaviours</a:t>
             </a:r>
             <a:r>
               <a:rPr lang="en-US" dirty="0" smtClean="0">
@@ -9989,23 +9887,20 @@
                 <a:ea typeface="DejaVu Sans" pitchFamily="34" charset="0"/>
                 <a:cs typeface="DejaVu Sans" pitchFamily="34" charset="0"/>
               </a:rPr>
-              <a:t>was an interesting project where we </a:t>
-            </a:r>
+              <a:t> based on human-robot interaction.</a:t>
+            </a:r>
+          </a:p>
+          <a:p>
+            <a:pPr algn="just">
+              <a:buNone/>
+            </a:pPr>
             <a:r>
               <a:rPr lang="en-US" dirty="0" smtClean="0">
                 <a:latin typeface="DejaVu Sans" pitchFamily="34" charset="0"/>
                 <a:ea typeface="DejaVu Sans" pitchFamily="34" charset="0"/>
                 <a:cs typeface="DejaVu Sans" pitchFamily="34" charset="0"/>
               </a:rPr>
-              <a:t>had </a:t>
-            </a:r>
-            <a:r>
-              <a:rPr lang="en-US" dirty="0" smtClean="0">
-                <a:latin typeface="DejaVu Sans" pitchFamily="34" charset="0"/>
-                <a:ea typeface="DejaVu Sans" pitchFamily="34" charset="0"/>
-                <a:cs typeface="DejaVu Sans" pitchFamily="34" charset="0"/>
-              </a:rPr>
-              <a:t>the opportunity to work with one of the most </a:t>
+              <a:t>	It was an interesting project where we had the opportunity to work with one of the most </a:t>
             </a:r>
             <a:r>
               <a:rPr lang="en-US" smtClean="0">
@@ -10013,15 +9908,7 @@
                 <a:ea typeface="DejaVu Sans" pitchFamily="34" charset="0"/>
                 <a:cs typeface="DejaVu Sans" pitchFamily="34" charset="0"/>
               </a:rPr>
-              <a:t>modern </a:t>
-            </a:r>
-            <a:r>
-              <a:rPr lang="en-US" smtClean="0">
-                <a:latin typeface="DejaVu Sans" pitchFamily="34" charset="0"/>
-                <a:ea typeface="DejaVu Sans" pitchFamily="34" charset="0"/>
-                <a:cs typeface="DejaVu Sans" pitchFamily="34" charset="0"/>
-              </a:rPr>
-              <a:t>commercial robots.</a:t>
+              <a:t>modern commercial robots.</a:t>
             </a:r>
             <a:endParaRPr lang="es-ES_tradnl" dirty="0" smtClean="0">
               <a:latin typeface="DejaVu Sans" pitchFamily="34" charset="0"/>
@@ -10310,7 +10197,15 @@
                 <a:ea typeface="DejaVu Sans" pitchFamily="34" charset="0"/>
                 <a:cs typeface="DejaVu Sans" pitchFamily="34" charset="0"/>
               </a:rPr>
-              <a:t>. Robots </a:t>
+              <a:t>. Robots will provide us a lot of tools that can make </a:t>
+            </a:r>
+            <a:r>
+              <a:rPr lang="en-US" smtClean="0">
+                <a:latin typeface="DejaVu Sans" pitchFamily="34" charset="0"/>
+                <a:ea typeface="DejaVu Sans" pitchFamily="34" charset="0"/>
+                <a:cs typeface="DejaVu Sans" pitchFamily="34" charset="0"/>
+              </a:rPr>
+              <a:t>our life </a:t>
             </a:r>
             <a:r>
               <a:rPr lang="en-US" dirty="0" smtClean="0">
@@ -10318,55 +10213,7 @@
                 <a:ea typeface="DejaVu Sans" pitchFamily="34" charset="0"/>
                 <a:cs typeface="DejaVu Sans" pitchFamily="34" charset="0"/>
               </a:rPr>
-              <a:t>will provide </a:t>
-            </a:r>
-            <a:r>
-              <a:rPr lang="en-US" dirty="0" smtClean="0">
-                <a:latin typeface="DejaVu Sans" pitchFamily="34" charset="0"/>
-                <a:ea typeface="DejaVu Sans" pitchFamily="34" charset="0"/>
-                <a:cs typeface="DejaVu Sans" pitchFamily="34" charset="0"/>
-              </a:rPr>
-              <a:t>us </a:t>
-            </a:r>
-            <a:r>
-              <a:rPr lang="en-US" dirty="0" smtClean="0">
-                <a:latin typeface="DejaVu Sans" pitchFamily="34" charset="0"/>
-                <a:ea typeface="DejaVu Sans" pitchFamily="34" charset="0"/>
-                <a:cs typeface="DejaVu Sans" pitchFamily="34" charset="0"/>
-              </a:rPr>
-              <a:t>a lot of tools that </a:t>
-            </a:r>
-            <a:r>
-              <a:rPr lang="en-US" dirty="0" smtClean="0">
-                <a:latin typeface="DejaVu Sans" pitchFamily="34" charset="0"/>
-                <a:ea typeface="DejaVu Sans" pitchFamily="34" charset="0"/>
-                <a:cs typeface="DejaVu Sans" pitchFamily="34" charset="0"/>
-              </a:rPr>
-              <a:t>can </a:t>
-            </a:r>
-            <a:r>
-              <a:rPr lang="en-US" dirty="0" smtClean="0">
-                <a:latin typeface="DejaVu Sans" pitchFamily="34" charset="0"/>
-                <a:ea typeface="DejaVu Sans" pitchFamily="34" charset="0"/>
-                <a:cs typeface="DejaVu Sans" pitchFamily="34" charset="0"/>
-              </a:rPr>
-              <a:t>make </a:t>
-            </a:r>
-            <a:r>
-              <a:rPr lang="en-US" dirty="0" smtClean="0">
-                <a:latin typeface="DejaVu Sans" pitchFamily="34" charset="0"/>
-                <a:ea typeface="DejaVu Sans" pitchFamily="34" charset="0"/>
-                <a:cs typeface="DejaVu Sans" pitchFamily="34" charset="0"/>
-              </a:rPr>
-              <a:t>our lives </a:t>
-            </a:r>
-            <a:r>
-              <a:rPr lang="en-US" dirty="0" smtClean="0">
-                <a:latin typeface="DejaVu Sans" pitchFamily="34" charset="0"/>
-                <a:ea typeface="DejaVu Sans" pitchFamily="34" charset="0"/>
-                <a:cs typeface="DejaVu Sans" pitchFamily="34" charset="0"/>
-              </a:rPr>
-              <a:t>more easier.</a:t>
+              <a:t>easier.</a:t>
             </a:r>
             <a:r>
               <a:rPr lang="es-ES_tradnl" dirty="0" smtClean="0">
@@ -10376,11 +10223,6 @@
               </a:rPr>
               <a:t> </a:t>
             </a:r>
-            <a:endParaRPr lang="es-ES_tradnl" dirty="0" smtClean="0">
-              <a:latin typeface="DejaVu Sans" pitchFamily="34" charset="0"/>
-              <a:ea typeface="DejaVu Sans" pitchFamily="34" charset="0"/>
-              <a:cs typeface="DejaVu Sans" pitchFamily="34" charset="0"/>
-            </a:endParaRPr>
           </a:p>
         </p:txBody>
       </p:sp>
@@ -10542,23 +10384,7 @@
                 <a:ea typeface="DejaVu Sans" pitchFamily="34" charset="0"/>
                 <a:cs typeface="DejaVu Sans" pitchFamily="34" charset="0"/>
               </a:rPr>
-              <a:t>Speech-based </a:t>
-            </a:r>
-            <a:r>
-              <a:rPr lang="en-US" dirty="0" smtClean="0">
-                <a:latin typeface="DejaVu Sans" pitchFamily="34" charset="0"/>
-                <a:ea typeface="DejaVu Sans" pitchFamily="34" charset="0"/>
-                <a:cs typeface="DejaVu Sans" pitchFamily="34" charset="0"/>
-              </a:rPr>
-              <a:t>commands </a:t>
-            </a:r>
-            <a:r>
-              <a:rPr lang="en-US" dirty="0" smtClean="0">
-                <a:latin typeface="DejaVu Sans" pitchFamily="34" charset="0"/>
-                <a:ea typeface="DejaVu Sans" pitchFamily="34" charset="0"/>
-                <a:cs typeface="DejaVu Sans" pitchFamily="34" charset="0"/>
-              </a:rPr>
-              <a:t>with animations</a:t>
+              <a:t>Speech-based commands with animations</a:t>
             </a:r>
           </a:p>
           <a:p>
@@ -10604,15 +10430,7 @@
                 <a:ea typeface="DejaVu Sans" pitchFamily="34" charset="0"/>
                 <a:cs typeface="DejaVu Sans" pitchFamily="34" charset="0"/>
               </a:rPr>
-              <a:t>Speech-based di</a:t>
-            </a:r>
-            <a:r>
-              <a:rPr lang="en-US" dirty="0" smtClean="0">
-                <a:latin typeface="DejaVu Sans" pitchFamily="34" charset="0"/>
-                <a:ea typeface="DejaVu Sans" pitchFamily="34" charset="0"/>
-                <a:cs typeface="DejaVu Sans" pitchFamily="34" charset="0"/>
-              </a:rPr>
-              <a:t>alogue</a:t>
+              <a:t>Speech-based dialogue</a:t>
             </a:r>
             <a:endParaRPr lang="es-ES_tradnl" dirty="0" smtClean="0">
               <a:latin typeface="DejaVu Sans" pitchFamily="34" charset="0"/>
@@ -10645,11 +10463,7 @@
           <a:p>
             <a:r>
               <a:rPr lang="es-ES_tradnl" dirty="0" smtClean="0"/>
-              <a:t>2</a:t>
-            </a:r>
-            <a:r>
-              <a:rPr lang="es-ES_tradnl" dirty="0" smtClean="0"/>
-              <a:t>/20</a:t>
+              <a:t>2/20</a:t>
             </a:r>
             <a:endParaRPr lang="es-ES_tradnl" dirty="0"/>
           </a:p>
@@ -10889,15 +10703,7 @@
                 <a:ea typeface="DejaVu Sans" pitchFamily="34" charset="0"/>
                 <a:cs typeface="DejaVu Sans" pitchFamily="34" charset="0"/>
               </a:rPr>
-              <a:t>3.1.	</a:t>
-            </a:r>
-            <a:r>
-              <a:rPr lang="es-ES_tradnl" dirty="0" smtClean="0">
-                <a:latin typeface="DejaVu Sans" pitchFamily="34" charset="0"/>
-                <a:ea typeface="DejaVu Sans" pitchFamily="34" charset="0"/>
-                <a:cs typeface="DejaVu Sans" pitchFamily="34" charset="0"/>
-              </a:rPr>
-              <a:t>Interface</a:t>
+              <a:t>3.1.	Interface</a:t>
             </a:r>
             <a:endParaRPr lang="es-ES_tradnl" dirty="0">
               <a:latin typeface="DejaVu Sans" pitchFamily="34" charset="0"/>
@@ -10938,11 +10744,6 @@
               </a:rPr>
               <a:t>	</a:t>
             </a:r>
-            <a:endParaRPr lang="es-ES_tradnl" dirty="0" smtClean="0">
-              <a:latin typeface="DejaVu Sans" pitchFamily="34" charset="0"/>
-              <a:ea typeface="DejaVu Sans" pitchFamily="34" charset="0"/>
-              <a:cs typeface="DejaVu Sans" pitchFamily="34" charset="0"/>
-            </a:endParaRPr>
           </a:p>
         </p:txBody>
       </p:sp>
@@ -11131,11 +10932,6 @@
               </a:rPr>
               <a:t>	</a:t>
             </a:r>
-            <a:endParaRPr lang="es-ES_tradnl" dirty="0" smtClean="0">
-              <a:latin typeface="DejaVu Sans" pitchFamily="34" charset="0"/>
-              <a:ea typeface="DejaVu Sans" pitchFamily="34" charset="0"/>
-              <a:cs typeface="DejaVu Sans" pitchFamily="34" charset="0"/>
-            </a:endParaRPr>
           </a:p>
         </p:txBody>
       </p:sp>
@@ -11317,42 +11113,18 @@
                 <a:ea typeface="DejaVu Sans" pitchFamily="34" charset="0"/>
                 <a:cs typeface="DejaVu Sans" pitchFamily="34" charset="0"/>
               </a:rPr>
-              <a:t>Animations (Speech-based </a:t>
-            </a:r>
+              <a:t>Animations (Speech-based commands with animations)</a:t>
+            </a:r>
+          </a:p>
+          <a:p>
+            <a:pPr lvl="1" algn="just"/>
             <a:r>
               <a:rPr lang="en-US" dirty="0" smtClean="0">
                 <a:latin typeface="DejaVu Sans" pitchFamily="34" charset="0"/>
                 <a:ea typeface="DejaVu Sans" pitchFamily="34" charset="0"/>
                 <a:cs typeface="DejaVu Sans" pitchFamily="34" charset="0"/>
               </a:rPr>
-              <a:t>commands with </a:t>
-            </a:r>
-            <a:r>
-              <a:rPr lang="en-US" dirty="0" smtClean="0">
-                <a:latin typeface="DejaVu Sans" pitchFamily="34" charset="0"/>
-                <a:ea typeface="DejaVu Sans" pitchFamily="34" charset="0"/>
-                <a:cs typeface="DejaVu Sans" pitchFamily="34" charset="0"/>
-              </a:rPr>
-              <a:t>animations)</a:t>
-            </a:r>
-          </a:p>
-          <a:p>
-            <a:pPr lvl="1" algn="just"/>
-            <a:r>
-              <a:rPr lang="en-US" dirty="0" smtClean="0">
-                <a:latin typeface="DejaVu Sans" pitchFamily="34" charset="0"/>
-                <a:ea typeface="DejaVu Sans" pitchFamily="34" charset="0"/>
-                <a:cs typeface="DejaVu Sans" pitchFamily="34" charset="0"/>
-              </a:rPr>
-              <a:t>Movement (“</a:t>
-            </a:r>
-            <a:r>
-              <a:rPr lang="en-US" dirty="0" smtClean="0">
-                <a:latin typeface="DejaVu Sans" pitchFamily="34" charset="0"/>
-                <a:ea typeface="DejaVu Sans" pitchFamily="34" charset="0"/>
-                <a:cs typeface="DejaVu Sans" pitchFamily="34" charset="0"/>
-              </a:rPr>
-              <a:t>Follow me” and “Come here” </a:t>
+              <a:t>Movement (“Follow me” and “Come here” </a:t>
             </a:r>
             <a:r>
               <a:rPr lang="en-US" dirty="0" err="1" smtClean="0">
@@ -11381,7 +11153,15 @@
                 <a:ea typeface="DejaVu Sans" pitchFamily="34" charset="0"/>
                 <a:cs typeface="DejaVu Sans" pitchFamily="34" charset="0"/>
               </a:rPr>
-              <a:t>	</a:t>
+              <a:t>	We also need to talk about two common boxes used in both </a:t>
+            </a:r>
+            <a:r>
+              <a:rPr lang="en-US" dirty="0" err="1" smtClean="0">
+                <a:latin typeface="DejaVu Sans" pitchFamily="34" charset="0"/>
+                <a:ea typeface="DejaVu Sans" pitchFamily="34" charset="0"/>
+                <a:cs typeface="DejaVu Sans" pitchFamily="34" charset="0"/>
+              </a:rPr>
+              <a:t>behaviours</a:t>
             </a:r>
             <a:r>
               <a:rPr lang="en-US" dirty="0" smtClean="0">
@@ -11389,15 +11169,29 @@
                 <a:ea typeface="DejaVu Sans" pitchFamily="34" charset="0"/>
                 <a:cs typeface="DejaVu Sans" pitchFamily="34" charset="0"/>
               </a:rPr>
-              <a:t>W</a:t>
-            </a:r>
+              <a:t> :</a:t>
+            </a:r>
+          </a:p>
+          <a:p>
+            <a:pPr lvl="1" algn="just"/>
             <a:r>
               <a:rPr lang="en-US" dirty="0" smtClean="0">
                 <a:latin typeface="DejaVu Sans" pitchFamily="34" charset="0"/>
                 <a:ea typeface="DejaVu Sans" pitchFamily="34" charset="0"/>
                 <a:cs typeface="DejaVu Sans" pitchFamily="34" charset="0"/>
               </a:rPr>
-              <a:t>e</a:t>
+              <a:t>Awaken box</a:t>
+            </a:r>
+          </a:p>
+          <a:p>
+            <a:pPr lvl="1" algn="just"/>
+            <a:r>
+              <a:rPr lang="en-US" dirty="0" err="1" smtClean="0">
+                <a:latin typeface="DejaVu Sans" pitchFamily="34" charset="0"/>
+                <a:ea typeface="DejaVu Sans" pitchFamily="34" charset="0"/>
+                <a:cs typeface="DejaVu Sans" pitchFamily="34" charset="0"/>
+              </a:rPr>
+              <a:t>FaceAndSpeech</a:t>
             </a:r>
             <a:r>
               <a:rPr lang="en-US" dirty="0" smtClean="0">
@@ -11413,31 +11207,29 @@
                 <a:ea typeface="DejaVu Sans" pitchFamily="34" charset="0"/>
                 <a:cs typeface="DejaVu Sans" pitchFamily="34" charset="0"/>
               </a:rPr>
-              <a:t>also need to talk about two common boxes used in both </a:t>
-            </a:r>
-            <a:r>
-              <a:rPr lang="en-US" dirty="0" err="1" smtClean="0">
-                <a:latin typeface="DejaVu Sans" pitchFamily="34" charset="0"/>
-                <a:ea typeface="DejaVu Sans" pitchFamily="34" charset="0"/>
-                <a:cs typeface="DejaVu Sans" pitchFamily="34" charset="0"/>
-              </a:rPr>
-              <a:t>behaviours</a:t>
-            </a:r>
+              <a:t>box</a:t>
+            </a:r>
+          </a:p>
+          <a:p>
+            <a:pPr lvl="1" algn="just">
+              <a:buNone/>
+            </a:pPr>
             <a:r>
               <a:rPr lang="en-US" dirty="0" smtClean="0">
                 <a:latin typeface="DejaVu Sans" pitchFamily="34" charset="0"/>
                 <a:ea typeface="DejaVu Sans" pitchFamily="34" charset="0"/>
                 <a:cs typeface="DejaVu Sans" pitchFamily="34" charset="0"/>
               </a:rPr>
-              <a:t> </a:t>
+              <a:t>Videos:	</a:t>
             </a:r>
             <a:r>
               <a:rPr lang="en-US" dirty="0" smtClean="0">
                 <a:latin typeface="DejaVu Sans" pitchFamily="34" charset="0"/>
                 <a:ea typeface="DejaVu Sans" pitchFamily="34" charset="0"/>
                 <a:cs typeface="DejaVu Sans" pitchFamily="34" charset="0"/>
-              </a:rPr>
-              <a:t>:</a:t>
+                <a:hlinkClick r:id="rId2"/>
+              </a:rPr>
+              <a:t>https://www.youtube.com/watch?v=JPsfOQUvkfc</a:t>
             </a:r>
             <a:endParaRPr lang="en-US" dirty="0" smtClean="0">
               <a:latin typeface="DejaVu Sans" pitchFamily="34" charset="0"/>
@@ -11446,25 +11238,16 @@
             </a:endParaRPr>
           </a:p>
           <a:p>
-            <a:pPr lvl="1" algn="just"/>
+            <a:pPr lvl="1" algn="just">
+              <a:buNone/>
+            </a:pPr>
             <a:r>
               <a:rPr lang="en-US" dirty="0" smtClean="0">
                 <a:latin typeface="DejaVu Sans" pitchFamily="34" charset="0"/>
                 <a:ea typeface="DejaVu Sans" pitchFamily="34" charset="0"/>
                 <a:cs typeface="DejaVu Sans" pitchFamily="34" charset="0"/>
               </a:rPr>
-              <a:t>Awaken box</a:t>
-            </a:r>
-          </a:p>
-          <a:p>
-            <a:pPr lvl="1" algn="just"/>
-            <a:r>
-              <a:rPr lang="en-US" dirty="0" err="1" smtClean="0">
-                <a:latin typeface="DejaVu Sans" pitchFamily="34" charset="0"/>
-                <a:ea typeface="DejaVu Sans" pitchFamily="34" charset="0"/>
-                <a:cs typeface="DejaVu Sans" pitchFamily="34" charset="0"/>
-              </a:rPr>
-              <a:t>FaceAndSpeech</a:t>
+              <a:t>	</a:t>
             </a:r>
             <a:r>
               <a:rPr lang="en-US" dirty="0" smtClean="0">
@@ -11472,7 +11255,16 @@
                 <a:ea typeface="DejaVu Sans" pitchFamily="34" charset="0"/>
                 <a:cs typeface="DejaVu Sans" pitchFamily="34" charset="0"/>
               </a:rPr>
-              <a:t> box</a:t>
+              <a:t>		</a:t>
+            </a:r>
+            <a:r>
+              <a:rPr lang="en-US" dirty="0" smtClean="0">
+                <a:latin typeface="DejaVu Sans" pitchFamily="34" charset="0"/>
+                <a:ea typeface="DejaVu Sans" pitchFamily="34" charset="0"/>
+                <a:cs typeface="DejaVu Sans" pitchFamily="34" charset="0"/>
+                <a:hlinkClick r:id="rId3"/>
+              </a:rPr>
+              <a:t>https://www.youtube.com/watch?v=6oiSZy8PI6E</a:t>
             </a:r>
             <a:endParaRPr lang="en-US" dirty="0" smtClean="0">
               <a:latin typeface="DejaVu Sans" pitchFamily="34" charset="0"/>
@@ -11655,11 +11447,7 @@
           <a:p>
             <a:r>
               <a:rPr lang="es-ES_tradnl" dirty="0" smtClean="0"/>
-              <a:t>7</a:t>
-            </a:r>
-            <a:r>
-              <a:rPr lang="es-ES_tradnl" dirty="0" smtClean="0"/>
-              <a:t>/20</a:t>
+              <a:t>7/20</a:t>
             </a:r>
             <a:endParaRPr lang="es-ES_tradnl" dirty="0"/>
           </a:p>
